--- a/Razrabotka_PO_PresentationV3.pptx
+++ b/Razrabotka_PO_PresentationV3.pptx
@@ -311,7 +311,7 @@
           <a:p>
             <a:fld id="{16DD5FD9-8931-46A1-BD9E-402761606AAF}" type="datetimeFigureOut">
               <a:rPr lang="ru-RU" smtClean="0"/>
-              <a:t>06.06.2022</a:t>
+              <a:t>13.06.2022</a:t>
             </a:fld>
             <a:endParaRPr lang="ru-RU"/>
           </a:p>
@@ -521,7 +521,7 @@
           <a:p>
             <a:fld id="{16DD5FD9-8931-46A1-BD9E-402761606AAF}" type="datetimeFigureOut">
               <a:rPr lang="ru-RU" smtClean="0"/>
-              <a:t>06.06.2022</a:t>
+              <a:t>13.06.2022</a:t>
             </a:fld>
             <a:endParaRPr lang="ru-RU"/>
           </a:p>
@@ -701,7 +701,7 @@
           <a:p>
             <a:fld id="{16DD5FD9-8931-46A1-BD9E-402761606AAF}" type="datetimeFigureOut">
               <a:rPr lang="ru-RU" smtClean="0"/>
-              <a:t>06.06.2022</a:t>
+              <a:t>13.06.2022</a:t>
             </a:fld>
             <a:endParaRPr lang="ru-RU"/>
           </a:p>
@@ -871,7 +871,7 @@
           <a:p>
             <a:fld id="{16DD5FD9-8931-46A1-BD9E-402761606AAF}" type="datetimeFigureOut">
               <a:rPr lang="ru-RU" smtClean="0"/>
-              <a:t>06.06.2022</a:t>
+              <a:t>13.06.2022</a:t>
             </a:fld>
             <a:endParaRPr lang="ru-RU"/>
           </a:p>
@@ -1125,7 +1125,7 @@
           <a:p>
             <a:fld id="{16DD5FD9-8931-46A1-BD9E-402761606AAF}" type="datetimeFigureOut">
               <a:rPr lang="ru-RU" smtClean="0"/>
-              <a:t>06.06.2022</a:t>
+              <a:t>13.06.2022</a:t>
             </a:fld>
             <a:endParaRPr lang="ru-RU"/>
           </a:p>
@@ -1451,7 +1451,7 @@
           <a:p>
             <a:fld id="{16DD5FD9-8931-46A1-BD9E-402761606AAF}" type="datetimeFigureOut">
               <a:rPr lang="ru-RU" smtClean="0"/>
-              <a:t>06.06.2022</a:t>
+              <a:t>13.06.2022</a:t>
             </a:fld>
             <a:endParaRPr lang="ru-RU"/>
           </a:p>
@@ -1902,7 +1902,7 @@
           <a:p>
             <a:fld id="{16DD5FD9-8931-46A1-BD9E-402761606AAF}" type="datetimeFigureOut">
               <a:rPr lang="ru-RU" smtClean="0"/>
-              <a:t>06.06.2022</a:t>
+              <a:t>13.06.2022</a:t>
             </a:fld>
             <a:endParaRPr lang="ru-RU"/>
           </a:p>
@@ -2020,7 +2020,7 @@
           <a:p>
             <a:fld id="{16DD5FD9-8931-46A1-BD9E-402761606AAF}" type="datetimeFigureOut">
               <a:rPr lang="ru-RU" smtClean="0"/>
-              <a:t>06.06.2022</a:t>
+              <a:t>13.06.2022</a:t>
             </a:fld>
             <a:endParaRPr lang="ru-RU"/>
           </a:p>
@@ -2115,7 +2115,7 @@
           <a:p>
             <a:fld id="{16DD5FD9-8931-46A1-BD9E-402761606AAF}" type="datetimeFigureOut">
               <a:rPr lang="ru-RU" smtClean="0"/>
-              <a:t>06.06.2022</a:t>
+              <a:t>13.06.2022</a:t>
             </a:fld>
             <a:endParaRPr lang="ru-RU"/>
           </a:p>
@@ -2402,7 +2402,7 @@
           <a:p>
             <a:fld id="{16DD5FD9-8931-46A1-BD9E-402761606AAF}" type="datetimeFigureOut">
               <a:rPr lang="ru-RU" smtClean="0"/>
-              <a:t>06.06.2022</a:t>
+              <a:t>13.06.2022</a:t>
             </a:fld>
             <a:endParaRPr lang="ru-RU"/>
           </a:p>
@@ -2720,7 +2720,7 @@
           <a:p>
             <a:fld id="{16DD5FD9-8931-46A1-BD9E-402761606AAF}" type="datetimeFigureOut">
               <a:rPr lang="ru-RU" smtClean="0"/>
-              <a:t>06.06.2022</a:t>
+              <a:t>13.06.2022</a:t>
             </a:fld>
             <a:endParaRPr lang="ru-RU"/>
           </a:p>
@@ -2972,7 +2972,7 @@
           <a:p>
             <a:fld id="{16DD5FD9-8931-46A1-BD9E-402761606AAF}" type="datetimeFigureOut">
               <a:rPr lang="ru-RU" smtClean="0"/>
-              <a:t>06.06.2022</a:t>
+              <a:t>13.06.2022</a:t>
             </a:fld>
             <a:endParaRPr lang="ru-RU"/>
           </a:p>
@@ -4490,8 +4490,12 @@
           <a:p>
             <a:pPr algn="ctr"/>
             <a:r>
+              <a:rPr lang="ru-RU"/>
+              <a:t>Функциональность </a:t>
+            </a:r>
+            <a:r>
               <a:rPr lang="ru-RU" dirty="0"/>
-              <a:t>Функционал и интерфейс.</a:t>
+              <a:t>и интерфейс.</a:t>
             </a:r>
             <a:br>
               <a:rPr lang="ru-RU" dirty="0"/>
@@ -5162,18 +5166,6 @@
 </file>
 
 <file path=customXml/item1.xml><?xml version="1.0" encoding="utf-8"?>
-<p:properties xmlns:p="http://schemas.microsoft.com/office/2006/metadata/properties" xmlns:xsi="http://www.w3.org/2001/XMLSchema-instance" xmlns:pc="http://schemas.microsoft.com/office/infopath/2007/PartnerControls">
-  <documentManagement>
-    <ReferenceId xmlns="e321d5d8-ea79-449e-b247-0b47f28be14d" xsi:nil="true"/>
-    <lcf76f155ced4ddcb4097134ff3c332f xmlns="e321d5d8-ea79-449e-b247-0b47f28be14d">
-      <Terms xmlns="http://schemas.microsoft.com/office/infopath/2007/PartnerControls"/>
-    </lcf76f155ced4ddcb4097134ff3c332f>
-    <TaxCatchAll xmlns="1be30915-cae2-4f5a-be58-85f2687e9d09" xsi:nil="true"/>
-  </documentManagement>
-</p:properties>
-</file>
-
-<file path=customXml/item2.xml><?xml version="1.0" encoding="utf-8"?>
 <ct:contentTypeSchema xmlns:ct="http://schemas.microsoft.com/office/2006/metadata/contentType" xmlns:ma="http://schemas.microsoft.com/office/2006/metadata/properties/metaAttributes" ct:_="" ma:_="" ma:contentTypeName="Документ" ma:contentTypeID="0x01010006036433BA647C45BC820CDF521EB9AC" ma:contentTypeVersion="9" ma:contentTypeDescription="Создание документа." ma:contentTypeScope="" ma:versionID="0e5378859d862978e035324e43ade721">
   <xsd:schema xmlns:xsd="http://www.w3.org/2001/XMLSchema" xmlns:xs="http://www.w3.org/2001/XMLSchema" xmlns:p="http://schemas.microsoft.com/office/2006/metadata/properties" xmlns:ns2="e321d5d8-ea79-449e-b247-0b47f28be14d" xmlns:ns3="1be30915-cae2-4f5a-be58-85f2687e9d09" targetNamespace="http://schemas.microsoft.com/office/2006/metadata/properties" ma:root="true" ma:fieldsID="987dd8c73a2d464986db691e7a2d2e2c" ns2:_="" ns3:_="">
     <xsd:import namespace="e321d5d8-ea79-449e-b247-0b47f28be14d"/>
@@ -5356,6 +5348,18 @@
 </ct:contentTypeSchema>
 </file>
 
+<file path=customXml/item2.xml><?xml version="1.0" encoding="utf-8"?>
+<p:properties xmlns:p="http://schemas.microsoft.com/office/2006/metadata/properties" xmlns:xsi="http://www.w3.org/2001/XMLSchema-instance" xmlns:pc="http://schemas.microsoft.com/office/infopath/2007/PartnerControls">
+  <documentManagement>
+    <ReferenceId xmlns="e321d5d8-ea79-449e-b247-0b47f28be14d" xsi:nil="true"/>
+    <lcf76f155ced4ddcb4097134ff3c332f xmlns="e321d5d8-ea79-449e-b247-0b47f28be14d">
+      <Terms xmlns="http://schemas.microsoft.com/office/infopath/2007/PartnerControls"/>
+    </lcf76f155ced4ddcb4097134ff3c332f>
+    <TaxCatchAll xmlns="1be30915-cae2-4f5a-be58-85f2687e9d09" xsi:nil="true"/>
+  </documentManagement>
+</p:properties>
+</file>
+
 <file path=customXml/item3.xml><?xml version="1.0" encoding="utf-8"?>
 <?mso-contentType ?>
 <FormTemplates xmlns="http://schemas.microsoft.com/sharepoint/v3/contenttype/forms">
@@ -5366,17 +5370,6 @@
 </file>
 
 <file path=customXml/itemProps1.xml><?xml version="1.0" encoding="utf-8"?>
-<ds:datastoreItem xmlns:ds="http://schemas.openxmlformats.org/officeDocument/2006/customXml" ds:itemID="{B132835F-5331-4FD8-B283-4D1979695EAB}">
-  <ds:schemaRefs>
-    <ds:schemaRef ds:uri="http://schemas.microsoft.com/office/2006/metadata/properties"/>
-    <ds:schemaRef ds:uri="http://schemas.microsoft.com/office/infopath/2007/PartnerControls"/>
-    <ds:schemaRef ds:uri="e321d5d8-ea79-449e-b247-0b47f28be14d"/>
-    <ds:schemaRef ds:uri="1be30915-cae2-4f5a-be58-85f2687e9d09"/>
-  </ds:schemaRefs>
-</ds:datastoreItem>
-</file>
-
-<file path=customXml/itemProps2.xml><?xml version="1.0" encoding="utf-8"?>
 <ds:datastoreItem xmlns:ds="http://schemas.openxmlformats.org/officeDocument/2006/customXml" ds:itemID="{49473910-98F0-4B69-BB4E-9796FEE06800}">
   <ds:schemaRefs>
     <ds:schemaRef ds:uri="http://schemas.microsoft.com/office/2006/metadata/contentType"/>
@@ -5395,6 +5388,17 @@
 </ds:datastoreItem>
 </file>
 
+<file path=customXml/itemProps2.xml><?xml version="1.0" encoding="utf-8"?>
+<ds:datastoreItem xmlns:ds="http://schemas.openxmlformats.org/officeDocument/2006/customXml" ds:itemID="{B132835F-5331-4FD8-B283-4D1979695EAB}">
+  <ds:schemaRefs>
+    <ds:schemaRef ds:uri="http://schemas.microsoft.com/office/2006/metadata/properties"/>
+    <ds:schemaRef ds:uri="http://schemas.microsoft.com/office/infopath/2007/PartnerControls"/>
+    <ds:schemaRef ds:uri="e321d5d8-ea79-449e-b247-0b47f28be14d"/>
+    <ds:schemaRef ds:uri="1be30915-cae2-4f5a-be58-85f2687e9d09"/>
+  </ds:schemaRefs>
+</ds:datastoreItem>
+</file>
+
 <file path=customXml/itemProps3.xml><?xml version="1.0" encoding="utf-8"?>
 <ds:datastoreItem xmlns:ds="http://schemas.openxmlformats.org/officeDocument/2006/customXml" ds:itemID="{7A64CB76-D6EE-416E-960D-35D5D5486211}">
   <ds:schemaRefs>

--- a/Razrabotka_PO_PresentationV3.pptx
+++ b/Razrabotka_PO_PresentationV3.pptx
@@ -4,11 +4,14 @@
   <p:sldMasterIdLst>
     <p:sldMasterId id="2147483684" r:id="rId4"/>
   </p:sldMasterIdLst>
+  <p:notesMasterIdLst>
+    <p:notesMasterId r:id="rId14"/>
+  </p:notesMasterIdLst>
   <p:sldIdLst>
     <p:sldId id="256" r:id="rId5"/>
     <p:sldId id="258" r:id="rId6"/>
     <p:sldId id="264" r:id="rId7"/>
-    <p:sldId id="266" r:id="rId8"/>
+    <p:sldId id="259" r:id="rId8"/>
     <p:sldId id="268" r:id="rId9"/>
     <p:sldId id="270" r:id="rId10"/>
     <p:sldId id="271" r:id="rId11"/>
@@ -118,6 +121,459 @@
     </p:ext>
   </p:extLst>
 </p:presentation>
+</file>
+
+<file path=ppt/notesMasters/notesMaster1.xml><?xml version="1.0" encoding="utf-8"?>
+<p:notesMaster xmlns:a="http://schemas.openxmlformats.org/drawingml/2006/main" xmlns:r="http://schemas.openxmlformats.org/officeDocument/2006/relationships" xmlns:p="http://schemas.openxmlformats.org/presentationml/2006/main">
+  <p:cSld>
+    <p:bg>
+      <p:bgRef idx="1001">
+        <a:schemeClr val="bg1"/>
+      </p:bgRef>
+    </p:bg>
+    <p:spTree>
+      <p:nvGrpSpPr>
+        <p:cNvPr id="1" name=""/>
+        <p:cNvGrpSpPr/>
+        <p:nvPr/>
+      </p:nvGrpSpPr>
+      <p:grpSpPr>
+        <a:xfrm>
+          <a:off x="0" y="0"/>
+          <a:ext cx="0" cy="0"/>
+          <a:chOff x="0" y="0"/>
+          <a:chExt cx="0" cy="0"/>
+        </a:xfrm>
+      </p:grpSpPr>
+      <p:sp>
+        <p:nvSpPr>
+          <p:cNvPr id="2" name="Верхний колонтитул 1"/>
+          <p:cNvSpPr>
+            <a:spLocks noGrp="1"/>
+          </p:cNvSpPr>
+          <p:nvPr>
+            <p:ph type="hdr" sz="quarter"/>
+          </p:nvPr>
+        </p:nvSpPr>
+        <p:spPr>
+          <a:xfrm>
+            <a:off x="0" y="0"/>
+            <a:ext cx="2971800" cy="458788"/>
+          </a:xfrm>
+          <a:prstGeom prst="rect">
+            <a:avLst/>
+          </a:prstGeom>
+        </p:spPr>
+        <p:txBody>
+          <a:bodyPr vert="horz" lIns="91440" tIns="45720" rIns="91440" bIns="45720" rtlCol="0"/>
+          <a:lstStyle>
+            <a:lvl1pPr algn="l">
+              <a:defRPr sz="1200"/>
+            </a:lvl1pPr>
+          </a:lstStyle>
+          <a:p>
+            <a:endParaRPr lang="ru-RU"/>
+          </a:p>
+        </p:txBody>
+      </p:sp>
+      <p:sp>
+        <p:nvSpPr>
+          <p:cNvPr id="3" name="Дата 2"/>
+          <p:cNvSpPr>
+            <a:spLocks noGrp="1"/>
+          </p:cNvSpPr>
+          <p:nvPr>
+            <p:ph type="dt" idx="1"/>
+          </p:nvPr>
+        </p:nvSpPr>
+        <p:spPr>
+          <a:xfrm>
+            <a:off x="3884613" y="0"/>
+            <a:ext cx="2971800" cy="458788"/>
+          </a:xfrm>
+          <a:prstGeom prst="rect">
+            <a:avLst/>
+          </a:prstGeom>
+        </p:spPr>
+        <p:txBody>
+          <a:bodyPr vert="horz" lIns="91440" tIns="45720" rIns="91440" bIns="45720" rtlCol="0"/>
+          <a:lstStyle>
+            <a:lvl1pPr algn="r">
+              <a:defRPr sz="1200"/>
+            </a:lvl1pPr>
+          </a:lstStyle>
+          <a:p>
+            <a:fld id="{7F8B07B9-F10F-413E-A470-D703C020B922}" type="datetimeFigureOut">
+              <a:rPr lang="ru-RU" smtClean="0"/>
+              <a:t>13.06.2022</a:t>
+            </a:fld>
+            <a:endParaRPr lang="ru-RU"/>
+          </a:p>
+        </p:txBody>
+      </p:sp>
+      <p:sp>
+        <p:nvSpPr>
+          <p:cNvPr id="4" name="Образ слайда 3"/>
+          <p:cNvSpPr>
+            <a:spLocks noGrp="1" noRot="1" noChangeAspect="1"/>
+          </p:cNvSpPr>
+          <p:nvPr>
+            <p:ph type="sldImg" idx="2"/>
+          </p:nvPr>
+        </p:nvSpPr>
+        <p:spPr>
+          <a:xfrm>
+            <a:off x="685800" y="1143000"/>
+            <a:ext cx="5486400" cy="3086100"/>
+          </a:xfrm>
+          <a:prstGeom prst="rect">
+            <a:avLst/>
+          </a:prstGeom>
+          <a:noFill/>
+          <a:ln w="12700">
+            <a:solidFill>
+              <a:prstClr val="black"/>
+            </a:solidFill>
+          </a:ln>
+        </p:spPr>
+        <p:txBody>
+          <a:bodyPr vert="horz" lIns="91440" tIns="45720" rIns="91440" bIns="45720" rtlCol="0" anchor="ctr"/>
+          <a:lstStyle/>
+          <a:p>
+            <a:endParaRPr lang="ru-RU"/>
+          </a:p>
+        </p:txBody>
+      </p:sp>
+      <p:sp>
+        <p:nvSpPr>
+          <p:cNvPr id="5" name="Заметки 4"/>
+          <p:cNvSpPr>
+            <a:spLocks noGrp="1"/>
+          </p:cNvSpPr>
+          <p:nvPr>
+            <p:ph type="body" sz="quarter" idx="3"/>
+          </p:nvPr>
+        </p:nvSpPr>
+        <p:spPr>
+          <a:xfrm>
+            <a:off x="685800" y="4400550"/>
+            <a:ext cx="5486400" cy="3600450"/>
+          </a:xfrm>
+          <a:prstGeom prst="rect">
+            <a:avLst/>
+          </a:prstGeom>
+        </p:spPr>
+        <p:txBody>
+          <a:bodyPr vert="horz" lIns="91440" tIns="45720" rIns="91440" bIns="45720" rtlCol="0"/>
+          <a:lstStyle/>
+          <a:p>
+            <a:pPr lvl="0"/>
+            <a:r>
+              <a:rPr lang="ru-RU"/>
+              <a:t>Образец текста</a:t>
+            </a:r>
+          </a:p>
+          <a:p>
+            <a:pPr lvl="1"/>
+            <a:r>
+              <a:rPr lang="ru-RU"/>
+              <a:t>Второй уровень</a:t>
+            </a:r>
+          </a:p>
+          <a:p>
+            <a:pPr lvl="2"/>
+            <a:r>
+              <a:rPr lang="ru-RU"/>
+              <a:t>Третий уровень</a:t>
+            </a:r>
+          </a:p>
+          <a:p>
+            <a:pPr lvl="3"/>
+            <a:r>
+              <a:rPr lang="ru-RU"/>
+              <a:t>Четвертый уровень</a:t>
+            </a:r>
+          </a:p>
+          <a:p>
+            <a:pPr lvl="4"/>
+            <a:r>
+              <a:rPr lang="ru-RU"/>
+              <a:t>Пятый уровень</a:t>
+            </a:r>
+          </a:p>
+        </p:txBody>
+      </p:sp>
+      <p:sp>
+        <p:nvSpPr>
+          <p:cNvPr id="6" name="Нижний колонтитул 5"/>
+          <p:cNvSpPr>
+            <a:spLocks noGrp="1"/>
+          </p:cNvSpPr>
+          <p:nvPr>
+            <p:ph type="ftr" sz="quarter" idx="4"/>
+          </p:nvPr>
+        </p:nvSpPr>
+        <p:spPr>
+          <a:xfrm>
+            <a:off x="0" y="8685213"/>
+            <a:ext cx="2971800" cy="458787"/>
+          </a:xfrm>
+          <a:prstGeom prst="rect">
+            <a:avLst/>
+          </a:prstGeom>
+        </p:spPr>
+        <p:txBody>
+          <a:bodyPr vert="horz" lIns="91440" tIns="45720" rIns="91440" bIns="45720" rtlCol="0" anchor="b"/>
+          <a:lstStyle>
+            <a:lvl1pPr algn="l">
+              <a:defRPr sz="1200"/>
+            </a:lvl1pPr>
+          </a:lstStyle>
+          <a:p>
+            <a:endParaRPr lang="ru-RU"/>
+          </a:p>
+        </p:txBody>
+      </p:sp>
+      <p:sp>
+        <p:nvSpPr>
+          <p:cNvPr id="7" name="Номер слайда 6"/>
+          <p:cNvSpPr>
+            <a:spLocks noGrp="1"/>
+          </p:cNvSpPr>
+          <p:nvPr>
+            <p:ph type="sldNum" sz="quarter" idx="5"/>
+          </p:nvPr>
+        </p:nvSpPr>
+        <p:spPr>
+          <a:xfrm>
+            <a:off x="3884613" y="8685213"/>
+            <a:ext cx="2971800" cy="458787"/>
+          </a:xfrm>
+          <a:prstGeom prst="rect">
+            <a:avLst/>
+          </a:prstGeom>
+        </p:spPr>
+        <p:txBody>
+          <a:bodyPr vert="horz" lIns="91440" tIns="45720" rIns="91440" bIns="45720" rtlCol="0" anchor="b"/>
+          <a:lstStyle>
+            <a:lvl1pPr algn="r">
+              <a:defRPr sz="1200"/>
+            </a:lvl1pPr>
+          </a:lstStyle>
+          <a:p>
+            <a:fld id="{8B1870EB-370A-49A5-9AD9-87EA6638F9C2}" type="slidenum">
+              <a:rPr lang="ru-RU" smtClean="0"/>
+              <a:t>‹#›</a:t>
+            </a:fld>
+            <a:endParaRPr lang="ru-RU"/>
+          </a:p>
+        </p:txBody>
+      </p:sp>
+    </p:spTree>
+    <p:extLst>
+      <p:ext uri="{BB962C8B-B14F-4D97-AF65-F5344CB8AC3E}">
+        <p14:creationId xmlns:p14="http://schemas.microsoft.com/office/powerpoint/2010/main" val="323233955"/>
+      </p:ext>
+    </p:extLst>
+  </p:cSld>
+  <p:clrMap bg1="lt1" tx1="dk1" bg2="lt2" tx2="dk2" accent1="accent1" accent2="accent2" accent3="accent3" accent4="accent4" accent5="accent5" accent6="accent6" hlink="hlink" folHlink="folHlink"/>
+  <p:notesStyle>
+    <a:lvl1pPr marL="0" algn="l" defTabSz="914400" rtl="0" eaLnBrk="1" latinLnBrk="0" hangingPunct="1">
+      <a:defRPr sz="1200" kern="1200">
+        <a:solidFill>
+          <a:schemeClr val="tx1"/>
+        </a:solidFill>
+        <a:latin typeface="+mn-lt"/>
+        <a:ea typeface="+mn-ea"/>
+        <a:cs typeface="+mn-cs"/>
+      </a:defRPr>
+    </a:lvl1pPr>
+    <a:lvl2pPr marL="457200" algn="l" defTabSz="914400" rtl="0" eaLnBrk="1" latinLnBrk="0" hangingPunct="1">
+      <a:defRPr sz="1200" kern="1200">
+        <a:solidFill>
+          <a:schemeClr val="tx1"/>
+        </a:solidFill>
+        <a:latin typeface="+mn-lt"/>
+        <a:ea typeface="+mn-ea"/>
+        <a:cs typeface="+mn-cs"/>
+      </a:defRPr>
+    </a:lvl2pPr>
+    <a:lvl3pPr marL="914400" algn="l" defTabSz="914400" rtl="0" eaLnBrk="1" latinLnBrk="0" hangingPunct="1">
+      <a:defRPr sz="1200" kern="1200">
+        <a:solidFill>
+          <a:schemeClr val="tx1"/>
+        </a:solidFill>
+        <a:latin typeface="+mn-lt"/>
+        <a:ea typeface="+mn-ea"/>
+        <a:cs typeface="+mn-cs"/>
+      </a:defRPr>
+    </a:lvl3pPr>
+    <a:lvl4pPr marL="1371600" algn="l" defTabSz="914400" rtl="0" eaLnBrk="1" latinLnBrk="0" hangingPunct="1">
+      <a:defRPr sz="1200" kern="1200">
+        <a:solidFill>
+          <a:schemeClr val="tx1"/>
+        </a:solidFill>
+        <a:latin typeface="+mn-lt"/>
+        <a:ea typeface="+mn-ea"/>
+        <a:cs typeface="+mn-cs"/>
+      </a:defRPr>
+    </a:lvl4pPr>
+    <a:lvl5pPr marL="1828800" algn="l" defTabSz="914400" rtl="0" eaLnBrk="1" latinLnBrk="0" hangingPunct="1">
+      <a:defRPr sz="1200" kern="1200">
+        <a:solidFill>
+          <a:schemeClr val="tx1"/>
+        </a:solidFill>
+        <a:latin typeface="+mn-lt"/>
+        <a:ea typeface="+mn-ea"/>
+        <a:cs typeface="+mn-cs"/>
+      </a:defRPr>
+    </a:lvl5pPr>
+    <a:lvl6pPr marL="2286000" algn="l" defTabSz="914400" rtl="0" eaLnBrk="1" latinLnBrk="0" hangingPunct="1">
+      <a:defRPr sz="1200" kern="1200">
+        <a:solidFill>
+          <a:schemeClr val="tx1"/>
+        </a:solidFill>
+        <a:latin typeface="+mn-lt"/>
+        <a:ea typeface="+mn-ea"/>
+        <a:cs typeface="+mn-cs"/>
+      </a:defRPr>
+    </a:lvl6pPr>
+    <a:lvl7pPr marL="2743200" algn="l" defTabSz="914400" rtl="0" eaLnBrk="1" latinLnBrk="0" hangingPunct="1">
+      <a:defRPr sz="1200" kern="1200">
+        <a:solidFill>
+          <a:schemeClr val="tx1"/>
+        </a:solidFill>
+        <a:latin typeface="+mn-lt"/>
+        <a:ea typeface="+mn-ea"/>
+        <a:cs typeface="+mn-cs"/>
+      </a:defRPr>
+    </a:lvl7pPr>
+    <a:lvl8pPr marL="3200400" algn="l" defTabSz="914400" rtl="0" eaLnBrk="1" latinLnBrk="0" hangingPunct="1">
+      <a:defRPr sz="1200" kern="1200">
+        <a:solidFill>
+          <a:schemeClr val="tx1"/>
+        </a:solidFill>
+        <a:latin typeface="+mn-lt"/>
+        <a:ea typeface="+mn-ea"/>
+        <a:cs typeface="+mn-cs"/>
+      </a:defRPr>
+    </a:lvl8pPr>
+    <a:lvl9pPr marL="3657600" algn="l" defTabSz="914400" rtl="0" eaLnBrk="1" latinLnBrk="0" hangingPunct="1">
+      <a:defRPr sz="1200" kern="1200">
+        <a:solidFill>
+          <a:schemeClr val="tx1"/>
+        </a:solidFill>
+        <a:latin typeface="+mn-lt"/>
+        <a:ea typeface="+mn-ea"/>
+        <a:cs typeface="+mn-cs"/>
+      </a:defRPr>
+    </a:lvl9pPr>
+  </p:notesStyle>
+</p:notesMaster>
+</file>
+
+<file path=ppt/notesSlides/notesSlide1.xml><?xml version="1.0" encoding="utf-8"?>
+<p:notes xmlns:a="http://schemas.openxmlformats.org/drawingml/2006/main" xmlns:r="http://schemas.openxmlformats.org/officeDocument/2006/relationships" xmlns:p="http://schemas.openxmlformats.org/presentationml/2006/main" showMasterSp="0" showMasterPhAnim="0">
+  <p:cSld>
+    <p:spTree>
+      <p:nvGrpSpPr>
+        <p:cNvPr id="1" name="Shape 119"/>
+        <p:cNvGrpSpPr/>
+        <p:nvPr/>
+      </p:nvGrpSpPr>
+      <p:grpSpPr>
+        <a:xfrm>
+          <a:off x="0" y="0"/>
+          <a:ext cx="0" cy="0"/>
+          <a:chOff x="0" y="0"/>
+          <a:chExt cx="0" cy="0"/>
+        </a:xfrm>
+      </p:grpSpPr>
+      <p:sp>
+        <p:nvSpPr>
+          <p:cNvPr id="120" name="Google Shape;120;p4:notes"/>
+          <p:cNvSpPr txBox="1">
+            <a:spLocks noGrp="1"/>
+          </p:cNvSpPr>
+          <p:nvPr>
+            <p:ph type="body" idx="1"/>
+          </p:nvPr>
+        </p:nvSpPr>
+        <p:spPr>
+          <a:xfrm>
+            <a:off x="685800" y="4343400"/>
+            <a:ext cx="5486400" cy="4114800"/>
+          </a:xfrm>
+          <a:prstGeom prst="rect">
+            <a:avLst/>
+          </a:prstGeom>
+        </p:spPr>
+        <p:txBody>
+          <a:bodyPr spcFirstLastPara="1" wrap="square" lIns="91425" tIns="91425" rIns="91425" bIns="91425" anchor="t" anchorCtr="0">
+            <a:noAutofit/>
+          </a:bodyPr>
+          <a:lstStyle/>
+          <a:p>
+            <a:pPr marL="0" lvl="0" indent="0" algn="l" rtl="0">
+              <a:spcBef>
+                <a:spcPts val="0"/>
+              </a:spcBef>
+              <a:spcAft>
+                <a:spcPts val="0"/>
+              </a:spcAft>
+              <a:buNone/>
+            </a:pPr>
+            <a:endParaRPr/>
+          </a:p>
+        </p:txBody>
+      </p:sp>
+      <p:sp>
+        <p:nvSpPr>
+          <p:cNvPr id="121" name="Google Shape;121;p4:notes"/>
+          <p:cNvSpPr>
+            <a:spLocks noGrp="1" noRot="1" noChangeAspect="1"/>
+          </p:cNvSpPr>
+          <p:nvPr>
+            <p:ph type="sldImg" idx="2"/>
+          </p:nvPr>
+        </p:nvSpPr>
+        <p:spPr>
+          <a:xfrm>
+            <a:off x="381000" y="685800"/>
+            <a:ext cx="6096000" cy="3429000"/>
+          </a:xfrm>
+          <a:custGeom>
+            <a:avLst/>
+            <a:gdLst/>
+            <a:ahLst/>
+            <a:cxnLst/>
+            <a:rect l="l" t="t" r="r" b="b"/>
+            <a:pathLst>
+              <a:path w="120000" h="120000" extrusionOk="0">
+                <a:moveTo>
+                  <a:pt x="0" y="0"/>
+                </a:moveTo>
+                <a:lnTo>
+                  <a:pt x="120000" y="0"/>
+                </a:lnTo>
+                <a:lnTo>
+                  <a:pt x="120000" y="120000"/>
+                </a:lnTo>
+                <a:lnTo>
+                  <a:pt x="0" y="120000"/>
+                </a:lnTo>
+                <a:close/>
+              </a:path>
+            </a:pathLst>
+          </a:custGeom>
+        </p:spPr>
+      </p:sp>
+    </p:spTree>
+  </p:cSld>
+  <p:clrMapOvr>
+    <a:masterClrMapping/>
+  </p:clrMapOvr>
+</p:notes>
 </file>
 
 <file path=ppt/slideLayouts/slideLayout1.xml><?xml version="1.0" encoding="utf-8"?>
@@ -3996,7 +4452,7 @@
   <p:cSld>
     <p:spTree>
       <p:nvGrpSpPr>
-        <p:cNvPr id="1" name=""/>
+        <p:cNvPr id="1" name="Shape 122"/>
         <p:cNvGrpSpPr/>
         <p:nvPr/>
       </p:nvGrpSpPr>
@@ -4010,335 +4466,540 @@
       </p:grpSpPr>
       <p:sp>
         <p:nvSpPr>
-          <p:cNvPr id="2" name="Заголовок 1">
-            <a:extLst>
-              <a:ext uri="{FF2B5EF4-FFF2-40B4-BE49-F238E27FC236}">
-                <a16:creationId xmlns:a16="http://schemas.microsoft.com/office/drawing/2014/main" id="{89B0DCCD-66BC-42D3-B16B-BB22CFDB2DC0}"/>
-              </a:ext>
-            </a:extLst>
-          </p:cNvPr>
-          <p:cNvSpPr>
+          <p:cNvPr id="123" name="Google Shape;123;p4"/>
+          <p:cNvSpPr txBox="1">
             <a:spLocks noGrp="1"/>
           </p:cNvSpPr>
           <p:nvPr>
             <p:ph type="title"/>
           </p:nvPr>
         </p:nvSpPr>
-        <p:spPr/>
-        <p:txBody>
-          <a:bodyPr/>
+        <p:spPr>
+          <a:xfrm>
+            <a:off x="1261872" y="262393"/>
+            <a:ext cx="9692640" cy="1428929"/>
+          </a:xfrm>
+          <a:prstGeom prst="rect">
+            <a:avLst/>
+          </a:prstGeom>
+          <a:noFill/>
+          <a:ln>
+            <a:noFill/>
+          </a:ln>
+        </p:spPr>
+        <p:txBody>
+          <a:bodyPr spcFirstLastPara="1" wrap="square" lIns="91425" tIns="27425" rIns="91425" bIns="45700" anchor="b" anchorCtr="0">
+            <a:normAutofit/>
+          </a:bodyPr>
           <a:lstStyle/>
           <a:p>
-            <a:r>
-              <a:rPr lang="ru-RU" dirty="0"/>
+            <a:pPr marL="0" lvl="0" indent="0" algn="l" rtl="0">
+              <a:lnSpc>
+                <a:spcPct val="90000"/>
+              </a:lnSpc>
+              <a:spcBef>
+                <a:spcPts val="0"/>
+              </a:spcBef>
+              <a:spcAft>
+                <a:spcPts val="0"/>
+              </a:spcAft>
+              <a:buClr>
+                <a:schemeClr val="accent1"/>
+              </a:buClr>
+              <a:buSzPts val="4400"/>
+              <a:buFont typeface="Century Schoolbook"/>
+              <a:buNone/>
+            </a:pPr>
+            <a:r>
+              <a:rPr lang="ru-RU"/>
               <a:t>Формальная постановка задачи</a:t>
             </a:r>
-          </a:p>
-        </p:txBody>
-      </p:sp>
-      <p:sp>
-        <p:nvSpPr>
-          <p:cNvPr id="3" name="Объект 2">
-            <a:extLst>
-              <a:ext uri="{FF2B5EF4-FFF2-40B4-BE49-F238E27FC236}">
-                <a16:creationId xmlns:a16="http://schemas.microsoft.com/office/drawing/2014/main" id="{87E86CFC-33CD-427A-877F-F597A807DBAD}"/>
-              </a:ext>
-            </a:extLst>
-          </p:cNvPr>
-          <p:cNvSpPr>
-            <a:spLocks noGrp="1"/>
-          </p:cNvSpPr>
-          <p:nvPr>
-            <p:ph idx="1"/>
-          </p:nvPr>
-        </p:nvSpPr>
-        <p:spPr/>
-        <p:txBody>
-          <a:bodyPr/>
+            <a:endParaRPr/>
+          </a:p>
+        </p:txBody>
+      </p:sp>
+      <p:sp>
+        <p:nvSpPr>
+          <p:cNvPr id="124" name="Google Shape;124;p4"/>
+          <p:cNvSpPr txBox="1">
+            <a:spLocks noGrp="1"/>
+          </p:cNvSpPr>
+          <p:nvPr>
+            <p:ph type="body" idx="1"/>
+          </p:nvPr>
+        </p:nvSpPr>
+        <p:spPr>
+          <a:xfrm>
+            <a:off x="1261872" y="1828800"/>
+            <a:ext cx="8595360" cy="4351337"/>
+          </a:xfrm>
+          <a:prstGeom prst="rect">
+            <a:avLst/>
+          </a:prstGeom>
+          <a:noFill/>
+          <a:ln>
+            <a:noFill/>
+          </a:ln>
+        </p:spPr>
+        <p:txBody>
+          <a:bodyPr spcFirstLastPara="1" wrap="square" lIns="91425" tIns="45700" rIns="91425" bIns="45700" anchor="t" anchorCtr="0">
+            <a:normAutofit fontScale="92500" lnSpcReduction="20000"/>
+          </a:bodyPr>
           <a:lstStyle/>
           <a:p>
-            <a:pPr marL="0" indent="0">
+            <a:pPr marL="0" lvl="0" indent="0" algn="l" rtl="0">
+              <a:lnSpc>
+                <a:spcPct val="95000"/>
+              </a:lnSpc>
+              <a:spcBef>
+                <a:spcPts val="0"/>
+              </a:spcBef>
+              <a:spcAft>
+                <a:spcPts val="0"/>
+              </a:spcAft>
+              <a:buSzPts val="1600"/>
               <a:buNone/>
             </a:pPr>
             <a:r>
+              <a:rPr lang="ru-RU">
+                <a:solidFill>
+                  <a:schemeClr val="dk1"/>
+                </a:solidFill>
+              </a:rPr>
+              <a:t>       Пусть</a:t>
+            </a:r>
+            <a:endParaRPr dirty="0"/>
+          </a:p>
+          <a:p>
+            <a:pPr marL="0" lvl="0" indent="0" algn="l" rtl="0">
+              <a:lnSpc>
+                <a:spcPct val="95000"/>
+              </a:lnSpc>
+              <a:spcBef>
+                <a:spcPts val="1600"/>
+              </a:spcBef>
+              <a:spcAft>
+                <a:spcPts val="0"/>
+              </a:spcAft>
+              <a:buSzPts val="1600"/>
+              <a:buNone/>
+            </a:pPr>
+            <a:r>
               <a:rPr lang="ru-RU" dirty="0">
                 <a:solidFill>
-                  <a:schemeClr val="tx1"/>
+                  <a:schemeClr val="dk1"/>
                 </a:solidFill>
               </a:rPr>
-              <a:t> Пусть</a:t>
-            </a:r>
-          </a:p>
-          <a:p>
-            <a:pPr marL="0" indent="0">
+              <a:t>	k ∈ </a:t>
+            </a:r>
+            <a:r>
+              <a:rPr lang="ru-RU" sz="2085" b="1" dirty="0">
+                <a:solidFill>
+                  <a:srgbClr val="3B3B3B"/>
+                </a:solidFill>
+                <a:highlight>
+                  <a:srgbClr val="FEFFF5"/>
+                </a:highlight>
+                <a:latin typeface="Arial"/>
+                <a:ea typeface="Arial"/>
+                <a:cs typeface="Arial"/>
+                <a:sym typeface="Arial"/>
+              </a:rPr>
+              <a:t>N</a:t>
+            </a:r>
+            <a:r>
+              <a:rPr lang="ru-RU" sz="1800" dirty="0">
+                <a:solidFill>
+                  <a:srgbClr val="3B3B3B"/>
+                </a:solidFill>
+                <a:highlight>
+                  <a:srgbClr val="FEFFF5"/>
+                </a:highlight>
+                <a:latin typeface="Arial"/>
+                <a:ea typeface="Arial"/>
+                <a:cs typeface="Arial"/>
+                <a:sym typeface="Arial"/>
+              </a:rPr>
+              <a:t> </a:t>
+            </a:r>
+            <a:r>
+              <a:rPr lang="ru-RU" dirty="0">
+                <a:solidFill>
+                  <a:schemeClr val="dk1"/>
+                </a:solidFill>
+              </a:rPr>
+              <a:t>- количество зарезервированных файлов</a:t>
+            </a:r>
+            <a:endParaRPr dirty="0">
+              <a:solidFill>
+                <a:schemeClr val="dk1"/>
+              </a:solidFill>
+            </a:endParaRPr>
+          </a:p>
+          <a:p>
+            <a:pPr marL="0" lvl="0" indent="0" algn="l" rtl="0">
+              <a:lnSpc>
+                <a:spcPct val="95000"/>
+              </a:lnSpc>
+              <a:spcBef>
+                <a:spcPts val="1600"/>
+              </a:spcBef>
+              <a:spcAft>
+                <a:spcPts val="0"/>
+              </a:spcAft>
+              <a:buSzPts val="1600"/>
               <a:buNone/>
             </a:pPr>
             <a:r>
               <a:rPr lang="ru-RU" dirty="0">
                 <a:solidFill>
-                  <a:schemeClr val="tx1"/>
+                  <a:schemeClr val="dk1"/>
+                </a:solidFill>
+              </a:rPr>
+              <a:t>	S: S1, S2, …, </a:t>
+            </a:r>
+            <a:r>
+              <a:rPr lang="ru-RU" dirty="0" err="1">
+                <a:solidFill>
+                  <a:schemeClr val="dk1"/>
+                </a:solidFill>
+              </a:rPr>
+              <a:t>Sk</a:t>
+            </a:r>
+            <a:r>
+              <a:rPr lang="ru-RU" dirty="0">
+                <a:solidFill>
+                  <a:schemeClr val="dk1"/>
+                </a:solidFill>
+              </a:rPr>
+              <a:t> - файлы</a:t>
+            </a:r>
+            <a:endParaRPr dirty="0">
+              <a:solidFill>
+                <a:schemeClr val="dk1"/>
+              </a:solidFill>
+            </a:endParaRPr>
+          </a:p>
+          <a:p>
+            <a:pPr marL="0" lvl="0" indent="457200" algn="l" rtl="0">
+              <a:spcBef>
+                <a:spcPts val="1600"/>
+              </a:spcBef>
+              <a:spcAft>
+                <a:spcPts val="0"/>
+              </a:spcAft>
+              <a:buClr>
+                <a:schemeClr val="dk1"/>
+              </a:buClr>
+              <a:buSzPts val="1600"/>
+              <a:buFont typeface="Arial"/>
+              <a:buNone/>
+            </a:pPr>
+            <a:r>
+              <a:rPr lang="ru-RU" dirty="0">
+                <a:solidFill>
+                  <a:schemeClr val="dk1"/>
+                </a:solidFill>
+              </a:rPr>
+              <a:t>	P: P1, P2, …, </a:t>
+            </a:r>
+            <a:r>
+              <a:rPr lang="ru-RU" dirty="0" err="1">
+                <a:solidFill>
+                  <a:schemeClr val="dk1"/>
+                </a:solidFill>
+              </a:rPr>
+              <a:t>Pk</a:t>
+            </a:r>
+            <a:r>
+              <a:rPr lang="ru-RU" dirty="0">
+                <a:solidFill>
+                  <a:schemeClr val="dk1"/>
+                </a:solidFill>
+              </a:rPr>
+              <a:t> - массив параметров резервирования</a:t>
+            </a:r>
+            <a:endParaRPr dirty="0">
+              <a:solidFill>
+                <a:schemeClr val="dk1"/>
+              </a:solidFill>
+            </a:endParaRPr>
+          </a:p>
+          <a:p>
+            <a:pPr marL="0" lvl="0" indent="0" algn="l" rtl="0">
+              <a:lnSpc>
+                <a:spcPct val="95000"/>
+              </a:lnSpc>
+              <a:spcBef>
+                <a:spcPts val="1600"/>
+              </a:spcBef>
+              <a:spcAft>
+                <a:spcPts val="0"/>
+              </a:spcAft>
+              <a:buSzPts val="1600"/>
+              <a:buNone/>
+            </a:pPr>
+            <a:r>
+              <a:rPr lang="ru-RU" dirty="0">
+                <a:solidFill>
+                  <a:schemeClr val="dk1"/>
+                </a:solidFill>
+              </a:rPr>
+              <a:t>	M: M1, M2, …, </a:t>
+            </a:r>
+            <a:r>
+              <a:rPr lang="ru-RU" dirty="0" err="1">
+                <a:solidFill>
+                  <a:schemeClr val="dk1"/>
+                </a:solidFill>
+              </a:rPr>
+              <a:t>Mk</a:t>
+            </a:r>
+            <a:r>
+              <a:rPr lang="ru-RU" dirty="0">
+                <a:solidFill>
+                  <a:schemeClr val="dk1"/>
+                </a:solidFill>
+              </a:rPr>
+              <a:t> – план хранения i файла из множества N</a:t>
+            </a:r>
+            <a:endParaRPr dirty="0">
+              <a:solidFill>
+                <a:schemeClr val="dk1"/>
+              </a:solidFill>
+            </a:endParaRPr>
+          </a:p>
+          <a:p>
+            <a:pPr marL="0" lvl="0" indent="0" algn="l" rtl="0">
+              <a:lnSpc>
+                <a:spcPct val="95000"/>
+              </a:lnSpc>
+              <a:spcBef>
+                <a:spcPts val="1600"/>
+              </a:spcBef>
+              <a:spcAft>
+                <a:spcPts val="0"/>
+              </a:spcAft>
+              <a:buSzPts val="1600"/>
+              <a:buNone/>
+            </a:pPr>
+            <a:r>
+              <a:rPr lang="ru-RU" dirty="0">
+                <a:solidFill>
+                  <a:schemeClr val="dk1"/>
                 </a:solidFill>
               </a:rPr>
               <a:t>	</a:t>
             </a:r>
             <a:r>
-              <a:rPr lang="en-US" dirty="0">
-                <a:solidFill>
-                  <a:schemeClr val="tx1"/>
+              <a:rPr lang="ru-RU" dirty="0" err="1">
+                <a:solidFill>
+                  <a:schemeClr val="dk1"/>
                 </a:solidFill>
               </a:rPr>
-              <a:t>N</a:t>
+              <a:t>Mi</a:t>
             </a:r>
             <a:r>
               <a:rPr lang="ru-RU" dirty="0">
                 <a:solidFill>
-                  <a:schemeClr val="tx1"/>
+                  <a:schemeClr val="dk1"/>
                 </a:solidFill>
               </a:rPr>
-              <a:t> - количество зарезервированных файлов</a:t>
-            </a:r>
-          </a:p>
-          <a:p>
-            <a:pPr marL="0" indent="0">
-              <a:buNone/>
-            </a:pPr>
+              <a:t> = F(</a:t>
+            </a:r>
+            <a:r>
+              <a:rPr lang="ru-RU" dirty="0" err="1">
+                <a:solidFill>
+                  <a:schemeClr val="dk1"/>
+                </a:solidFill>
+              </a:rPr>
+              <a:t>Si</a:t>
+            </a:r>
             <a:r>
               <a:rPr lang="ru-RU" dirty="0">
                 <a:solidFill>
-                  <a:schemeClr val="tx1"/>
+                  <a:schemeClr val="dk1"/>
                 </a:solidFill>
               </a:rPr>
-              <a:t>	</a:t>
-            </a:r>
-            <a:r>
-              <a:rPr lang="en-US" dirty="0">
-                <a:solidFill>
-                  <a:schemeClr val="tx1"/>
+              <a:t>, </a:t>
+            </a:r>
+            <a:r>
+              <a:rPr lang="ru-RU" dirty="0" err="1">
+                <a:solidFill>
+                  <a:schemeClr val="dk1"/>
                 </a:solidFill>
               </a:rPr>
-              <a:t>Mi </a:t>
+              <a:t>Pi</a:t>
             </a:r>
             <a:r>
               <a:rPr lang="ru-RU" dirty="0">
                 <a:solidFill>
-                  <a:schemeClr val="tx1"/>
+                  <a:schemeClr val="dk1"/>
                 </a:solidFill>
               </a:rPr>
-              <a:t>– план хранения </a:t>
-            </a:r>
-            <a:r>
-              <a:rPr lang="en-US" dirty="0" err="1">
-                <a:solidFill>
-                  <a:schemeClr val="tx1"/>
-                </a:solidFill>
-              </a:rPr>
-              <a:t>i</a:t>
-            </a:r>
-            <a:r>
-              <a:rPr lang="ru-RU" dirty="0">
-                <a:solidFill>
-                  <a:schemeClr val="tx1"/>
-                </a:solidFill>
-              </a:rPr>
-              <a:t> файла из множества </a:t>
-            </a:r>
-            <a:r>
-              <a:rPr lang="en-US" dirty="0">
-                <a:solidFill>
-                  <a:schemeClr val="tx1"/>
-                </a:solidFill>
-              </a:rPr>
-              <a:t>N</a:t>
-            </a:r>
-            <a:endParaRPr lang="ru-RU" dirty="0">
+              <a:t>), где i ∈ [1, k] </a:t>
+            </a:r>
+            <a:endParaRPr dirty="0">
               <a:solidFill>
-                <a:schemeClr val="tx1"/>
+                <a:schemeClr val="dk1"/>
               </a:solidFill>
             </a:endParaRPr>
           </a:p>
           <a:p>
-            <a:pPr marL="0" indent="0">
+            <a:pPr marL="0" lvl="0" indent="457200" algn="l" rtl="0">
+              <a:lnSpc>
+                <a:spcPct val="95000"/>
+              </a:lnSpc>
+              <a:spcBef>
+                <a:spcPts val="1600"/>
+              </a:spcBef>
+              <a:spcAft>
+                <a:spcPts val="0"/>
+              </a:spcAft>
+              <a:buSzPts val="1600"/>
               <a:buNone/>
             </a:pPr>
             <a:r>
-              <a:rPr lang="en-US" dirty="0">
-                <a:solidFill>
-                  <a:schemeClr val="tx1"/>
+              <a:rPr lang="ru-RU" dirty="0">
+                <a:solidFill>
+                  <a:schemeClr val="dk1"/>
                 </a:solidFill>
               </a:rPr>
-              <a:t>	P: P1,</a:t>
+              <a:t>	R = {M1, M2, …, </a:t>
+            </a:r>
+            <a:r>
+              <a:rPr lang="ru-RU" dirty="0" err="1">
+                <a:solidFill>
+                  <a:schemeClr val="dk1"/>
+                </a:solidFill>
+              </a:rPr>
+              <a:t>Mk</a:t>
             </a:r>
             <a:r>
               <a:rPr lang="ru-RU" dirty="0">
                 <a:solidFill>
-                  <a:schemeClr val="tx1"/>
+                  <a:schemeClr val="dk1"/>
                 </a:solidFill>
               </a:rPr>
-              <a:t> </a:t>
-            </a:r>
-            <a:r>
-              <a:rPr lang="en-US" dirty="0">
-                <a:solidFill>
-                  <a:schemeClr val="tx1"/>
-                </a:solidFill>
-              </a:rPr>
-              <a:t>P2, … -</a:t>
-            </a:r>
-            <a:r>
-              <a:rPr lang="ru-RU" dirty="0">
-                <a:solidFill>
-                  <a:schemeClr val="tx1"/>
-                </a:solidFill>
-              </a:rPr>
-              <a:t> массив параметров резервирования</a:t>
-            </a:r>
-          </a:p>
-          <a:p>
-            <a:pPr marL="0" indent="0">
-              <a:buNone/>
-            </a:pPr>
-            <a:r>
-              <a:rPr lang="ru-RU" dirty="0">
-                <a:solidFill>
-                  <a:schemeClr val="tx1"/>
-                </a:solidFill>
-              </a:rPr>
-              <a:t>	</a:t>
-            </a:r>
-            <a:r>
-              <a:rPr lang="en-US" dirty="0">
-                <a:solidFill>
-                  <a:schemeClr val="tx1"/>
-                </a:solidFill>
-              </a:rPr>
-              <a:t>R: M </a:t>
-            </a:r>
-            <a:r>
-              <a:rPr lang="en-US" b="0" i="0" dirty="0">
-                <a:solidFill>
-                  <a:schemeClr val="tx1"/>
-                </a:solidFill>
-                <a:effectLst/>
-                <a:latin typeface="arial" panose="020B0604020202020204" pitchFamily="34" charset="0"/>
-              </a:rPr>
-              <a:t>U</a:t>
-            </a:r>
-            <a:r>
-              <a:rPr lang="en-US" dirty="0">
-                <a:solidFill>
-                  <a:schemeClr val="tx1"/>
-                </a:solidFill>
-              </a:rPr>
-              <a:t> P </a:t>
-            </a:r>
-            <a:endParaRPr lang="ru-RU" dirty="0">
+              <a:t>}</a:t>
+            </a:r>
+            <a:endParaRPr dirty="0">
               <a:solidFill>
-                <a:schemeClr val="tx1"/>
+                <a:schemeClr val="dk1"/>
               </a:solidFill>
             </a:endParaRPr>
           </a:p>
           <a:p>
-            <a:pPr marL="0" indent="0">
+            <a:pPr marL="0" lvl="0" indent="0" algn="l" rtl="0">
+              <a:lnSpc>
+                <a:spcPct val="95000"/>
+              </a:lnSpc>
+              <a:spcBef>
+                <a:spcPts val="1600"/>
+              </a:spcBef>
+              <a:spcAft>
+                <a:spcPts val="0"/>
+              </a:spcAft>
+              <a:buSzPts val="1600"/>
               <a:buNone/>
             </a:pPr>
             <a:r>
               <a:rPr lang="ru-RU" dirty="0">
                 <a:solidFill>
-                  <a:schemeClr val="tx1"/>
+                  <a:schemeClr val="dk1"/>
                 </a:solidFill>
               </a:rPr>
-              <a:t>Результат: подмножество </a:t>
-            </a:r>
-            <a:r>
-              <a:rPr lang="en-US" dirty="0">
-                <a:solidFill>
-                  <a:schemeClr val="tx1"/>
+              <a:t>Результат: Множество, состоящее из элементов M1, M2, .. </a:t>
+            </a:r>
+            <a:r>
+              <a:rPr lang="ru-RU" dirty="0" err="1">
+                <a:solidFill>
+                  <a:schemeClr val="dk1"/>
                 </a:solidFill>
               </a:rPr>
-              <a:t>S</a:t>
+              <a:t>Mk</a:t>
             </a:r>
             <a:r>
               <a:rPr lang="ru-RU" dirty="0">
                 <a:solidFill>
-                  <a:schemeClr val="tx1"/>
+                  <a:schemeClr val="dk1"/>
                 </a:solidFill>
               </a:rPr>
-              <a:t> из множества </a:t>
-            </a:r>
-            <a:r>
-              <a:rPr lang="en-US" dirty="0">
-                <a:solidFill>
-                  <a:schemeClr val="tx1"/>
+              <a:t>, являющиеся результатов выполнения функции F(</a:t>
+            </a:r>
+            <a:r>
+              <a:rPr lang="ru-RU" dirty="0" err="1">
+                <a:solidFill>
+                  <a:schemeClr val="dk1"/>
                 </a:solidFill>
               </a:rPr>
-              <a:t>R</a:t>
+              <a:t>Si</a:t>
             </a:r>
             <a:r>
               <a:rPr lang="ru-RU" dirty="0">
                 <a:solidFill>
-                  <a:schemeClr val="tx1"/>
+                  <a:schemeClr val="dk1"/>
                 </a:solidFill>
               </a:rPr>
-              <a:t> такое, что элементы </a:t>
-            </a:r>
-            <a:r>
-              <a:rPr lang="en-US" dirty="0">
-                <a:solidFill>
-                  <a:schemeClr val="tx1"/>
+              <a:t>, </a:t>
+            </a:r>
+            <a:r>
+              <a:rPr lang="ru-RU" dirty="0" err="1">
+                <a:solidFill>
+                  <a:schemeClr val="dk1"/>
                 </a:solidFill>
               </a:rPr>
-              <a:t>S</a:t>
+              <a:t>Pi</a:t>
             </a:r>
             <a:r>
               <a:rPr lang="ru-RU" dirty="0">
                 <a:solidFill>
-                  <a:schemeClr val="tx1"/>
+                  <a:schemeClr val="dk1"/>
                 </a:solidFill>
               </a:rPr>
-              <a:t> удовлетворяют массиву параметров </a:t>
-            </a:r>
-            <a:r>
-              <a:rPr lang="en-US" dirty="0">
-                <a:solidFill>
-                  <a:schemeClr val="tx1"/>
+              <a:t>), где </a:t>
+            </a:r>
+            <a:r>
+              <a:rPr lang="ru-RU" dirty="0" err="1">
+                <a:solidFill>
+                  <a:schemeClr val="dk1"/>
                 </a:solidFill>
               </a:rPr>
-              <a:t>P.</a:t>
-            </a:r>
-            <a:endParaRPr lang="ru-RU" dirty="0">
-              <a:solidFill>
-                <a:schemeClr val="tx1"/>
-              </a:solidFill>
-            </a:endParaRPr>
-          </a:p>
-          <a:p>
-            <a:pPr marL="0" indent="0">
+              <a:t>где</a:t>
+            </a:r>
+            <a:r>
+              <a:rPr lang="ru-RU" dirty="0">
+                <a:solidFill>
+                  <a:schemeClr val="dk1"/>
+                </a:solidFill>
+              </a:rPr>
+              <a:t> i ∈ [1, k]</a:t>
+            </a:r>
+            <a:endParaRPr dirty="0"/>
+          </a:p>
+          <a:p>
+            <a:pPr marL="0" lvl="0" indent="0" algn="l" rtl="0">
+              <a:lnSpc>
+                <a:spcPct val="95000"/>
+              </a:lnSpc>
+              <a:spcBef>
+                <a:spcPts val="1600"/>
+              </a:spcBef>
+              <a:spcAft>
+                <a:spcPts val="0"/>
+              </a:spcAft>
+              <a:buSzPts val="1600"/>
               <a:buNone/>
             </a:pPr>
             <a:r>
               <a:rPr lang="ru-RU" dirty="0"/>
               <a:t>	</a:t>
             </a:r>
-            <a:endParaRPr lang="en-US" dirty="0"/>
-          </a:p>
-          <a:p>
-            <a:pPr marL="0" indent="0">
-              <a:buNone/>
-            </a:pPr>
-            <a:r>
-              <a:rPr lang="en-US" dirty="0"/>
-              <a:t>	</a:t>
-            </a:r>
-            <a:endParaRPr lang="ru-RU" dirty="0"/>
+            <a:endParaRPr dirty="0"/>
           </a:p>
         </p:txBody>
       </p:sp>
     </p:spTree>
-    <p:extLst>
-      <p:ext uri="{BB962C8B-B14F-4D97-AF65-F5344CB8AC3E}">
-        <p14:creationId xmlns:p14="http://schemas.microsoft.com/office/powerpoint/2010/main" val="73302532"/>
-      </p:ext>
-    </p:extLst>
   </p:cSld>
   <p:clrMapOvr>
     <a:masterClrMapping/>
@@ -5165,7 +5826,323 @@
 </a:theme>
 </file>
 
+<file path=ppt/theme/theme2.xml><?xml version="1.0" encoding="utf-8"?>
+<a:theme xmlns:a="http://schemas.openxmlformats.org/drawingml/2006/main" name="Тема Office">
+  <a:themeElements>
+    <a:clrScheme name="Стандартная">
+      <a:dk1>
+        <a:sysClr val="windowText" lastClr="000000"/>
+      </a:dk1>
+      <a:lt1>
+        <a:sysClr val="window" lastClr="FFFFFF"/>
+      </a:lt1>
+      <a:dk2>
+        <a:srgbClr val="44546A"/>
+      </a:dk2>
+      <a:lt2>
+        <a:srgbClr val="E7E6E6"/>
+      </a:lt2>
+      <a:accent1>
+        <a:srgbClr val="4472C4"/>
+      </a:accent1>
+      <a:accent2>
+        <a:srgbClr val="ED7D31"/>
+      </a:accent2>
+      <a:accent3>
+        <a:srgbClr val="A5A5A5"/>
+      </a:accent3>
+      <a:accent4>
+        <a:srgbClr val="FFC000"/>
+      </a:accent4>
+      <a:accent5>
+        <a:srgbClr val="5B9BD5"/>
+      </a:accent5>
+      <a:accent6>
+        <a:srgbClr val="70AD47"/>
+      </a:accent6>
+      <a:hlink>
+        <a:srgbClr val="0563C1"/>
+      </a:hlink>
+      <a:folHlink>
+        <a:srgbClr val="954F72"/>
+      </a:folHlink>
+    </a:clrScheme>
+    <a:fontScheme name="Стандартная">
+      <a:majorFont>
+        <a:latin typeface="Calibri Light" panose="020F0302020204030204"/>
+        <a:ea typeface=""/>
+        <a:cs typeface=""/>
+        <a:font script="Jpan" typeface="游ゴシック Light"/>
+        <a:font script="Hang" typeface="맑은 고딕"/>
+        <a:font script="Hans" typeface="等线 Light"/>
+        <a:font script="Hant" typeface="新細明體"/>
+        <a:font script="Arab" typeface="Times New Roman"/>
+        <a:font script="Hebr" typeface="Times New Roman"/>
+        <a:font script="Thai" typeface="Angsana New"/>
+        <a:font script="Ethi" typeface="Nyala"/>
+        <a:font script="Beng" typeface="Vrinda"/>
+        <a:font script="Gujr" typeface="Shruti"/>
+        <a:font script="Khmr" typeface="MoolBoran"/>
+        <a:font script="Knda" typeface="Tunga"/>
+        <a:font script="Guru" typeface="Raavi"/>
+        <a:font script="Cans" typeface="Euphemia"/>
+        <a:font script="Cher" typeface="Plantagenet Cherokee"/>
+        <a:font script="Yiii" typeface="Microsoft Yi Baiti"/>
+        <a:font script="Tibt" typeface="Microsoft Himalaya"/>
+        <a:font script="Thaa" typeface="MV Boli"/>
+        <a:font script="Deva" typeface="Mangal"/>
+        <a:font script="Telu" typeface="Gautami"/>
+        <a:font script="Taml" typeface="Latha"/>
+        <a:font script="Syrc" typeface="Estrangelo Edessa"/>
+        <a:font script="Orya" typeface="Kalinga"/>
+        <a:font script="Mlym" typeface="Kartika"/>
+        <a:font script="Laoo" typeface="DokChampa"/>
+        <a:font script="Sinh" typeface="Iskoola Pota"/>
+        <a:font script="Mong" typeface="Mongolian Baiti"/>
+        <a:font script="Viet" typeface="Times New Roman"/>
+        <a:font script="Uigh" typeface="Microsoft Uighur"/>
+        <a:font script="Geor" typeface="Sylfaen"/>
+        <a:font script="Armn" typeface="Arial"/>
+        <a:font script="Bugi" typeface="Leelawadee UI"/>
+        <a:font script="Bopo" typeface="Microsoft JhengHei"/>
+        <a:font script="Java" typeface="Javanese Text"/>
+        <a:font script="Lisu" typeface="Segoe UI"/>
+        <a:font script="Mymr" typeface="Myanmar Text"/>
+        <a:font script="Nkoo" typeface="Ebrima"/>
+        <a:font script="Olck" typeface="Nirmala UI"/>
+        <a:font script="Osma" typeface="Ebrima"/>
+        <a:font script="Phag" typeface="Phagspa"/>
+        <a:font script="Syrn" typeface="Estrangelo Edessa"/>
+        <a:font script="Syrj" typeface="Estrangelo Edessa"/>
+        <a:font script="Syre" typeface="Estrangelo Edessa"/>
+        <a:font script="Sora" typeface="Nirmala UI"/>
+        <a:font script="Tale" typeface="Microsoft Tai Le"/>
+        <a:font script="Talu" typeface="Microsoft New Tai Lue"/>
+        <a:font script="Tfng" typeface="Ebrima"/>
+      </a:majorFont>
+      <a:minorFont>
+        <a:latin typeface="Calibri" panose="020F0502020204030204"/>
+        <a:ea typeface=""/>
+        <a:cs typeface=""/>
+        <a:font script="Jpan" typeface="游ゴシック"/>
+        <a:font script="Hang" typeface="맑은 고딕"/>
+        <a:font script="Hans" typeface="等线"/>
+        <a:font script="Hant" typeface="新細明體"/>
+        <a:font script="Arab" typeface="Arial"/>
+        <a:font script="Hebr" typeface="Arial"/>
+        <a:font script="Thai" typeface="Cordia New"/>
+        <a:font script="Ethi" typeface="Nyala"/>
+        <a:font script="Beng" typeface="Vrinda"/>
+        <a:font script="Gujr" typeface="Shruti"/>
+        <a:font script="Khmr" typeface="DaunPenh"/>
+        <a:font script="Knda" typeface="Tunga"/>
+        <a:font script="Guru" typeface="Raavi"/>
+        <a:font script="Cans" typeface="Euphemia"/>
+        <a:font script="Cher" typeface="Plantagenet Cherokee"/>
+        <a:font script="Yiii" typeface="Microsoft Yi Baiti"/>
+        <a:font script="Tibt" typeface="Microsoft Himalaya"/>
+        <a:font script="Thaa" typeface="MV Boli"/>
+        <a:font script="Deva" typeface="Mangal"/>
+        <a:font script="Telu" typeface="Gautami"/>
+        <a:font script="Taml" typeface="Latha"/>
+        <a:font script="Syrc" typeface="Estrangelo Edessa"/>
+        <a:font script="Orya" typeface="Kalinga"/>
+        <a:font script="Mlym" typeface="Kartika"/>
+        <a:font script="Laoo" typeface="DokChampa"/>
+        <a:font script="Sinh" typeface="Iskoola Pota"/>
+        <a:font script="Mong" typeface="Mongolian Baiti"/>
+        <a:font script="Viet" typeface="Arial"/>
+        <a:font script="Uigh" typeface="Microsoft Uighur"/>
+        <a:font script="Geor" typeface="Sylfaen"/>
+        <a:font script="Armn" typeface="Arial"/>
+        <a:font script="Bugi" typeface="Leelawadee UI"/>
+        <a:font script="Bopo" typeface="Microsoft JhengHei"/>
+        <a:font script="Java" typeface="Javanese Text"/>
+        <a:font script="Lisu" typeface="Segoe UI"/>
+        <a:font script="Mymr" typeface="Myanmar Text"/>
+        <a:font script="Nkoo" typeface="Ebrima"/>
+        <a:font script="Olck" typeface="Nirmala UI"/>
+        <a:font script="Osma" typeface="Ebrima"/>
+        <a:font script="Phag" typeface="Phagspa"/>
+        <a:font script="Syrn" typeface="Estrangelo Edessa"/>
+        <a:font script="Syrj" typeface="Estrangelo Edessa"/>
+        <a:font script="Syre" typeface="Estrangelo Edessa"/>
+        <a:font script="Sora" typeface="Nirmala UI"/>
+        <a:font script="Tale" typeface="Microsoft Tai Le"/>
+        <a:font script="Talu" typeface="Microsoft New Tai Lue"/>
+        <a:font script="Tfng" typeface="Ebrima"/>
+      </a:minorFont>
+    </a:fontScheme>
+    <a:fmtScheme name="Стандартная">
+      <a:fillStyleLst>
+        <a:solidFill>
+          <a:schemeClr val="phClr"/>
+        </a:solidFill>
+        <a:gradFill rotWithShape="1">
+          <a:gsLst>
+            <a:gs pos="0">
+              <a:schemeClr val="phClr">
+                <a:lumMod val="110000"/>
+                <a:satMod val="105000"/>
+                <a:tint val="67000"/>
+              </a:schemeClr>
+            </a:gs>
+            <a:gs pos="50000">
+              <a:schemeClr val="phClr">
+                <a:lumMod val="105000"/>
+                <a:satMod val="103000"/>
+                <a:tint val="73000"/>
+              </a:schemeClr>
+            </a:gs>
+            <a:gs pos="100000">
+              <a:schemeClr val="phClr">
+                <a:lumMod val="105000"/>
+                <a:satMod val="109000"/>
+                <a:tint val="81000"/>
+              </a:schemeClr>
+            </a:gs>
+          </a:gsLst>
+          <a:lin ang="5400000" scaled="0"/>
+        </a:gradFill>
+        <a:gradFill rotWithShape="1">
+          <a:gsLst>
+            <a:gs pos="0">
+              <a:schemeClr val="phClr">
+                <a:satMod val="103000"/>
+                <a:lumMod val="102000"/>
+                <a:tint val="94000"/>
+              </a:schemeClr>
+            </a:gs>
+            <a:gs pos="50000">
+              <a:schemeClr val="phClr">
+                <a:satMod val="110000"/>
+                <a:lumMod val="100000"/>
+                <a:shade val="100000"/>
+              </a:schemeClr>
+            </a:gs>
+            <a:gs pos="100000">
+              <a:schemeClr val="phClr">
+                <a:lumMod val="99000"/>
+                <a:satMod val="120000"/>
+                <a:shade val="78000"/>
+              </a:schemeClr>
+            </a:gs>
+          </a:gsLst>
+          <a:lin ang="5400000" scaled="0"/>
+        </a:gradFill>
+      </a:fillStyleLst>
+      <a:lnStyleLst>
+        <a:ln w="6350" cap="flat" cmpd="sng" algn="ctr">
+          <a:solidFill>
+            <a:schemeClr val="phClr"/>
+          </a:solidFill>
+          <a:prstDash val="solid"/>
+          <a:miter lim="800000"/>
+        </a:ln>
+        <a:ln w="12700" cap="flat" cmpd="sng" algn="ctr">
+          <a:solidFill>
+            <a:schemeClr val="phClr"/>
+          </a:solidFill>
+          <a:prstDash val="solid"/>
+          <a:miter lim="800000"/>
+        </a:ln>
+        <a:ln w="19050" cap="flat" cmpd="sng" algn="ctr">
+          <a:solidFill>
+            <a:schemeClr val="phClr"/>
+          </a:solidFill>
+          <a:prstDash val="solid"/>
+          <a:miter lim="800000"/>
+        </a:ln>
+      </a:lnStyleLst>
+      <a:effectStyleLst>
+        <a:effectStyle>
+          <a:effectLst/>
+        </a:effectStyle>
+        <a:effectStyle>
+          <a:effectLst/>
+        </a:effectStyle>
+        <a:effectStyle>
+          <a:effectLst>
+            <a:outerShdw blurRad="57150" dist="19050" dir="5400000" algn="ctr" rotWithShape="0">
+              <a:srgbClr val="000000">
+                <a:alpha val="63000"/>
+              </a:srgbClr>
+            </a:outerShdw>
+          </a:effectLst>
+        </a:effectStyle>
+      </a:effectStyleLst>
+      <a:bgFillStyleLst>
+        <a:solidFill>
+          <a:schemeClr val="phClr"/>
+        </a:solidFill>
+        <a:solidFill>
+          <a:schemeClr val="phClr">
+            <a:tint val="95000"/>
+            <a:satMod val="170000"/>
+          </a:schemeClr>
+        </a:solidFill>
+        <a:gradFill rotWithShape="1">
+          <a:gsLst>
+            <a:gs pos="0">
+              <a:schemeClr val="phClr">
+                <a:tint val="93000"/>
+                <a:satMod val="150000"/>
+                <a:shade val="98000"/>
+                <a:lumMod val="102000"/>
+              </a:schemeClr>
+            </a:gs>
+            <a:gs pos="50000">
+              <a:schemeClr val="phClr">
+                <a:tint val="98000"/>
+                <a:satMod val="130000"/>
+                <a:shade val="90000"/>
+                <a:lumMod val="103000"/>
+              </a:schemeClr>
+            </a:gs>
+            <a:gs pos="100000">
+              <a:schemeClr val="phClr">
+                <a:shade val="63000"/>
+                <a:satMod val="120000"/>
+              </a:schemeClr>
+            </a:gs>
+          </a:gsLst>
+          <a:lin ang="5400000" scaled="0"/>
+        </a:gradFill>
+      </a:bgFillStyleLst>
+    </a:fmtScheme>
+  </a:themeElements>
+  <a:objectDefaults/>
+  <a:extraClrSchemeLst/>
+  <a:extLst>
+    <a:ext uri="{05A4C25C-085E-4340-85A3-A5531E510DB2}">
+      <thm15:themeFamily xmlns:thm15="http://schemas.microsoft.com/office/thememl/2012/main" name="Office Theme" id="{62F939B6-93AF-4DB8-9C6B-D6C7DFDC589F}" vid="{4A3C46E8-61CC-4603-A589-7422A47A8E4A}"/>
+    </a:ext>
+  </a:extLst>
+</a:theme>
+</file>
+
 <file path=customXml/item1.xml><?xml version="1.0" encoding="utf-8"?>
+<?mso-contentType ?>
+<FormTemplates xmlns="http://schemas.microsoft.com/sharepoint/v3/contenttype/forms">
+  <Display>DocumentLibraryForm</Display>
+  <Edit>DocumentLibraryForm</Edit>
+  <New>DocumentLibraryForm</New>
+</FormTemplates>
+</file>
+
+<file path=customXml/item2.xml><?xml version="1.0" encoding="utf-8"?>
+<p:properties xmlns:p="http://schemas.microsoft.com/office/2006/metadata/properties" xmlns:xsi="http://www.w3.org/2001/XMLSchema-instance" xmlns:pc="http://schemas.microsoft.com/office/infopath/2007/PartnerControls">
+  <documentManagement>
+    <ReferenceId xmlns="e321d5d8-ea79-449e-b247-0b47f28be14d" xsi:nil="true"/>
+    <lcf76f155ced4ddcb4097134ff3c332f xmlns="e321d5d8-ea79-449e-b247-0b47f28be14d">
+      <Terms xmlns="http://schemas.microsoft.com/office/infopath/2007/PartnerControls"/>
+    </lcf76f155ced4ddcb4097134ff3c332f>
+    <TaxCatchAll xmlns="1be30915-cae2-4f5a-be58-85f2687e9d09" xsi:nil="true"/>
+  </documentManagement>
+</p:properties>
+</file>
+
+<file path=customXml/item3.xml><?xml version="1.0" encoding="utf-8"?>
 <ct:contentTypeSchema xmlns:ct="http://schemas.microsoft.com/office/2006/metadata/contentType" xmlns:ma="http://schemas.microsoft.com/office/2006/metadata/properties/metaAttributes" ct:_="" ma:_="" ma:contentTypeName="Документ" ma:contentTypeID="0x01010006036433BA647C45BC820CDF521EB9AC" ma:contentTypeVersion="9" ma:contentTypeDescription="Создание документа." ma:contentTypeScope="" ma:versionID="0e5378859d862978e035324e43ade721">
   <xsd:schema xmlns:xsd="http://www.w3.org/2001/XMLSchema" xmlns:xs="http://www.w3.org/2001/XMLSchema" xmlns:p="http://schemas.microsoft.com/office/2006/metadata/properties" xmlns:ns2="e321d5d8-ea79-449e-b247-0b47f28be14d" xmlns:ns3="1be30915-cae2-4f5a-be58-85f2687e9d09" targetNamespace="http://schemas.microsoft.com/office/2006/metadata/properties" ma:root="true" ma:fieldsID="987dd8c73a2d464986db691e7a2d2e2c" ns2:_="" ns3:_="">
     <xsd:import namespace="e321d5d8-ea79-449e-b247-0b47f28be14d"/>
@@ -5348,28 +6325,26 @@
 </ct:contentTypeSchema>
 </file>
 
-<file path=customXml/item2.xml><?xml version="1.0" encoding="utf-8"?>
-<p:properties xmlns:p="http://schemas.microsoft.com/office/2006/metadata/properties" xmlns:xsi="http://www.w3.org/2001/XMLSchema-instance" xmlns:pc="http://schemas.microsoft.com/office/infopath/2007/PartnerControls">
-  <documentManagement>
-    <ReferenceId xmlns="e321d5d8-ea79-449e-b247-0b47f28be14d" xsi:nil="true"/>
-    <lcf76f155ced4ddcb4097134ff3c332f xmlns="e321d5d8-ea79-449e-b247-0b47f28be14d">
-      <Terms xmlns="http://schemas.microsoft.com/office/infopath/2007/PartnerControls"/>
-    </lcf76f155ced4ddcb4097134ff3c332f>
-    <TaxCatchAll xmlns="1be30915-cae2-4f5a-be58-85f2687e9d09" xsi:nil="true"/>
-  </documentManagement>
-</p:properties>
+<file path=customXml/itemProps1.xml><?xml version="1.0" encoding="utf-8"?>
+<ds:datastoreItem xmlns:ds="http://schemas.openxmlformats.org/officeDocument/2006/customXml" ds:itemID="{7A64CB76-D6EE-416E-960D-35D5D5486211}">
+  <ds:schemaRefs>
+    <ds:schemaRef ds:uri="http://schemas.microsoft.com/sharepoint/v3/contenttype/forms"/>
+  </ds:schemaRefs>
+</ds:datastoreItem>
 </file>
 
-<file path=customXml/item3.xml><?xml version="1.0" encoding="utf-8"?>
-<?mso-contentType ?>
-<FormTemplates xmlns="http://schemas.microsoft.com/sharepoint/v3/contenttype/forms">
-  <Display>DocumentLibraryForm</Display>
-  <Edit>DocumentLibraryForm</Edit>
-  <New>DocumentLibraryForm</New>
-</FormTemplates>
+<file path=customXml/itemProps2.xml><?xml version="1.0" encoding="utf-8"?>
+<ds:datastoreItem xmlns:ds="http://schemas.openxmlformats.org/officeDocument/2006/customXml" ds:itemID="{B132835F-5331-4FD8-B283-4D1979695EAB}">
+  <ds:schemaRefs>
+    <ds:schemaRef ds:uri="http://schemas.microsoft.com/office/2006/metadata/properties"/>
+    <ds:schemaRef ds:uri="http://schemas.microsoft.com/office/infopath/2007/PartnerControls"/>
+    <ds:schemaRef ds:uri="e321d5d8-ea79-449e-b247-0b47f28be14d"/>
+    <ds:schemaRef ds:uri="1be30915-cae2-4f5a-be58-85f2687e9d09"/>
+  </ds:schemaRefs>
+</ds:datastoreItem>
 </file>
 
-<file path=customXml/itemProps1.xml><?xml version="1.0" encoding="utf-8"?>
+<file path=customXml/itemProps3.xml><?xml version="1.0" encoding="utf-8"?>
 <ds:datastoreItem xmlns:ds="http://schemas.openxmlformats.org/officeDocument/2006/customXml" ds:itemID="{49473910-98F0-4B69-BB4E-9796FEE06800}">
   <ds:schemaRefs>
     <ds:schemaRef ds:uri="http://schemas.microsoft.com/office/2006/metadata/contentType"/>
@@ -5386,23 +6361,4 @@
     <ds:schemaRef ds:uri="http://schemas.microsoft.com/internal/obd"/>
   </ds:schemaRefs>
 </ds:datastoreItem>
-</file>
-
-<file path=customXml/itemProps2.xml><?xml version="1.0" encoding="utf-8"?>
-<ds:datastoreItem xmlns:ds="http://schemas.openxmlformats.org/officeDocument/2006/customXml" ds:itemID="{B132835F-5331-4FD8-B283-4D1979695EAB}">
-  <ds:schemaRefs>
-    <ds:schemaRef ds:uri="http://schemas.microsoft.com/office/2006/metadata/properties"/>
-    <ds:schemaRef ds:uri="http://schemas.microsoft.com/office/infopath/2007/PartnerControls"/>
-    <ds:schemaRef ds:uri="e321d5d8-ea79-449e-b247-0b47f28be14d"/>
-    <ds:schemaRef ds:uri="1be30915-cae2-4f5a-be58-85f2687e9d09"/>
-  </ds:schemaRefs>
-</ds:datastoreItem>
-</file>
-
-<file path=customXml/itemProps3.xml><?xml version="1.0" encoding="utf-8"?>
-<ds:datastoreItem xmlns:ds="http://schemas.openxmlformats.org/officeDocument/2006/customXml" ds:itemID="{7A64CB76-D6EE-416E-960D-35D5D5486211}">
-  <ds:schemaRefs>
-    <ds:schemaRef ds:uri="http://schemas.microsoft.com/sharepoint/v3/contenttype/forms"/>
-  </ds:schemaRefs>
-</ds:datastoreItem>
 </file>
--- a/Razrabotka_PO_PresentationV3.pptx
+++ b/Razrabotka_PO_PresentationV3.pptx
@@ -205,7 +205,7 @@
           <a:p>
             <a:fld id="{7F8B07B9-F10F-413E-A470-D703C020B922}" type="datetimeFigureOut">
               <a:rPr lang="ru-RU" smtClean="0"/>
-              <a:t>13.06.2022</a:t>
+              <a:t>16.06.2022</a:t>
             </a:fld>
             <a:endParaRPr lang="ru-RU"/>
           </a:p>
@@ -767,7 +767,7 @@
           <a:p>
             <a:fld id="{16DD5FD9-8931-46A1-BD9E-402761606AAF}" type="datetimeFigureOut">
               <a:rPr lang="ru-RU" smtClean="0"/>
-              <a:t>13.06.2022</a:t>
+              <a:t>16.06.2022</a:t>
             </a:fld>
             <a:endParaRPr lang="ru-RU"/>
           </a:p>
@@ -977,7 +977,7 @@
           <a:p>
             <a:fld id="{16DD5FD9-8931-46A1-BD9E-402761606AAF}" type="datetimeFigureOut">
               <a:rPr lang="ru-RU" smtClean="0"/>
-              <a:t>13.06.2022</a:t>
+              <a:t>16.06.2022</a:t>
             </a:fld>
             <a:endParaRPr lang="ru-RU"/>
           </a:p>
@@ -1157,7 +1157,7 @@
           <a:p>
             <a:fld id="{16DD5FD9-8931-46A1-BD9E-402761606AAF}" type="datetimeFigureOut">
               <a:rPr lang="ru-RU" smtClean="0"/>
-              <a:t>13.06.2022</a:t>
+              <a:t>16.06.2022</a:t>
             </a:fld>
             <a:endParaRPr lang="ru-RU"/>
           </a:p>
@@ -1327,7 +1327,7 @@
           <a:p>
             <a:fld id="{16DD5FD9-8931-46A1-BD9E-402761606AAF}" type="datetimeFigureOut">
               <a:rPr lang="ru-RU" smtClean="0"/>
-              <a:t>13.06.2022</a:t>
+              <a:t>16.06.2022</a:t>
             </a:fld>
             <a:endParaRPr lang="ru-RU"/>
           </a:p>
@@ -1581,7 +1581,7 @@
           <a:p>
             <a:fld id="{16DD5FD9-8931-46A1-BD9E-402761606AAF}" type="datetimeFigureOut">
               <a:rPr lang="ru-RU" smtClean="0"/>
-              <a:t>13.06.2022</a:t>
+              <a:t>16.06.2022</a:t>
             </a:fld>
             <a:endParaRPr lang="ru-RU"/>
           </a:p>
@@ -1907,7 +1907,7 @@
           <a:p>
             <a:fld id="{16DD5FD9-8931-46A1-BD9E-402761606AAF}" type="datetimeFigureOut">
               <a:rPr lang="ru-RU" smtClean="0"/>
-              <a:t>13.06.2022</a:t>
+              <a:t>16.06.2022</a:t>
             </a:fld>
             <a:endParaRPr lang="ru-RU"/>
           </a:p>
@@ -2358,7 +2358,7 @@
           <a:p>
             <a:fld id="{16DD5FD9-8931-46A1-BD9E-402761606AAF}" type="datetimeFigureOut">
               <a:rPr lang="ru-RU" smtClean="0"/>
-              <a:t>13.06.2022</a:t>
+              <a:t>16.06.2022</a:t>
             </a:fld>
             <a:endParaRPr lang="ru-RU"/>
           </a:p>
@@ -2476,7 +2476,7 @@
           <a:p>
             <a:fld id="{16DD5FD9-8931-46A1-BD9E-402761606AAF}" type="datetimeFigureOut">
               <a:rPr lang="ru-RU" smtClean="0"/>
-              <a:t>13.06.2022</a:t>
+              <a:t>16.06.2022</a:t>
             </a:fld>
             <a:endParaRPr lang="ru-RU"/>
           </a:p>
@@ -2571,7 +2571,7 @@
           <a:p>
             <a:fld id="{16DD5FD9-8931-46A1-BD9E-402761606AAF}" type="datetimeFigureOut">
               <a:rPr lang="ru-RU" smtClean="0"/>
-              <a:t>13.06.2022</a:t>
+              <a:t>16.06.2022</a:t>
             </a:fld>
             <a:endParaRPr lang="ru-RU"/>
           </a:p>
@@ -2858,7 +2858,7 @@
           <a:p>
             <a:fld id="{16DD5FD9-8931-46A1-BD9E-402761606AAF}" type="datetimeFigureOut">
               <a:rPr lang="ru-RU" smtClean="0"/>
-              <a:t>13.06.2022</a:t>
+              <a:t>16.06.2022</a:t>
             </a:fld>
             <a:endParaRPr lang="ru-RU"/>
           </a:p>
@@ -3176,7 +3176,7 @@
           <a:p>
             <a:fld id="{16DD5FD9-8931-46A1-BD9E-402761606AAF}" type="datetimeFigureOut">
               <a:rPr lang="ru-RU" smtClean="0"/>
-              <a:t>13.06.2022</a:t>
+              <a:t>16.06.2022</a:t>
             </a:fld>
             <a:endParaRPr lang="ru-RU"/>
           </a:p>
@@ -3428,7 +3428,7 @@
           <a:p>
             <a:fld id="{16DD5FD9-8931-46A1-BD9E-402761606AAF}" type="datetimeFigureOut">
               <a:rPr lang="ru-RU" smtClean="0"/>
-              <a:t>13.06.2022</a:t>
+              <a:t>16.06.2022</a:t>
             </a:fld>
             <a:endParaRPr lang="ru-RU"/>
           </a:p>
@@ -4120,7 +4120,7 @@
                 <a:latin typeface="Times New Roman" panose="02020603050405020304" pitchFamily="18" charset="0"/>
                 <a:cs typeface="Times New Roman" panose="02020603050405020304" pitchFamily="18" charset="0"/>
               </a:rPr>
-              <a:t>Актуальность темы дипломной работы объясняется наличием большого объема информации в электронном виде, которую необходимо защищать от потерь с помощью программ резервного копирования и восстановления данных. Проблема заключается в отсутствии распространенных функций в одном приложении, что приводит к использованию нескольких программ. Основными потребителями являются предприятия.</a:t>
+              <a:t>Актуальность темы дипломной работы объясняется наличием большого объема информации в электронном виде, которую необходимо защищать от потерь с помощью программ резервного копирования и восстановления данных.</a:t>
             </a:r>
           </a:p>
         </p:txBody>
@@ -4543,7 +4543,7 @@
         </p:spPr>
         <p:txBody>
           <a:bodyPr spcFirstLastPara="1" wrap="square" lIns="91425" tIns="45700" rIns="91425" bIns="45700" anchor="t" anchorCtr="0">
-            <a:normAutofit fontScale="92500" lnSpcReduction="20000"/>
+            <a:normAutofit fontScale="92500" lnSpcReduction="10000"/>
           </a:bodyPr>
           <a:lstStyle/>
           <a:p>
@@ -4561,7 +4561,7 @@
               <a:buNone/>
             </a:pPr>
             <a:r>
-              <a:rPr lang="ru-RU">
+              <a:rPr lang="ru-RU" dirty="0">
                 <a:solidFill>
                   <a:schemeClr val="dk1"/>
                 </a:solidFill>
@@ -4909,7 +4909,7 @@
                   <a:schemeClr val="dk1"/>
                 </a:solidFill>
               </a:rPr>
-              <a:t>Результат: Множество, состоящее из элементов M1, M2, .. </a:t>
+              <a:t>Результат: Множество, состоящее из элементов M1, M2, ... </a:t>
             </a:r>
             <a:r>
               <a:rPr lang="ru-RU" dirty="0" err="1">
@@ -4925,7 +4925,7 @@
                   <a:schemeClr val="dk1"/>
                 </a:solidFill>
               </a:rPr>
-              <a:t>, являющиеся результатов выполнения функции F(</a:t>
+              <a:t>, являющиеся результатом выполнения функции F(</a:t>
             </a:r>
             <a:r>
               <a:rPr lang="ru-RU" dirty="0" err="1">
@@ -4957,23 +4957,7 @@
                   <a:schemeClr val="dk1"/>
                 </a:solidFill>
               </a:rPr>
-              <a:t>), где </a:t>
-            </a:r>
-            <a:r>
-              <a:rPr lang="ru-RU" dirty="0" err="1">
-                <a:solidFill>
-                  <a:schemeClr val="dk1"/>
-                </a:solidFill>
-              </a:rPr>
-              <a:t>где</a:t>
-            </a:r>
-            <a:r>
-              <a:rPr lang="ru-RU" dirty="0">
-                <a:solidFill>
-                  <a:schemeClr val="dk1"/>
-                </a:solidFill>
-              </a:rPr>
-              <a:t> i ∈ [1, k]</a:t>
+              <a:t>), где i ∈ [1, k]</a:t>
             </a:r>
             <a:endParaRPr dirty="0"/>
           </a:p>
@@ -5040,7 +5024,12 @@
             <p:ph type="title"/>
           </p:nvPr>
         </p:nvSpPr>
-        <p:spPr/>
+        <p:spPr>
+          <a:xfrm>
+            <a:off x="1050857" y="68962"/>
+            <a:ext cx="9692640" cy="1428929"/>
+          </a:xfrm>
+        </p:spPr>
         <p:txBody>
           <a:bodyPr/>
           <a:lstStyle/>
@@ -5055,10 +5044,10 @@
       </p:sp>
       <p:pic>
         <p:nvPicPr>
-          <p:cNvPr id="6" name="Рисунок 5">
+          <p:cNvPr id="11" name="Рисунок 10">
             <a:extLst>
               <a:ext uri="{FF2B5EF4-FFF2-40B4-BE49-F238E27FC236}">
-                <a16:creationId xmlns:a16="http://schemas.microsoft.com/office/drawing/2014/main" id="{11249519-09E2-4C00-9A27-CC8C5062FC7A}"/>
+                <a16:creationId xmlns:a16="http://schemas.microsoft.com/office/drawing/2014/main" id="{C6A30D94-469F-48CE-94A6-7926E05C3A99}"/>
               </a:ext>
             </a:extLst>
           </p:cNvPr>
@@ -5067,33 +5056,26 @@
           </p:cNvPicPr>
           <p:nvPr/>
         </p:nvPicPr>
-        <p:blipFill rotWithShape="1">
-          <a:blip r:embed="rId2" cstate="print">
+        <p:blipFill>
+          <a:blip r:embed="rId2">
             <a:extLst>
               <a:ext uri="{28A0092B-C50C-407E-A947-70E740481C1C}">
                 <a14:useLocalDpi xmlns:a14="http://schemas.microsoft.com/office/drawing/2010/main" val="0"/>
               </a:ext>
             </a:extLst>
           </a:blip>
-          <a:srcRect/>
-          <a:stretch/>
+          <a:stretch>
+            <a:fillRect/>
+          </a:stretch>
         </p:blipFill>
-        <p:spPr bwMode="auto">
+        <p:spPr>
           <a:xfrm>
-            <a:off x="2887003" y="1965642"/>
-            <a:ext cx="5908040" cy="4214495"/>
+            <a:off x="2473343" y="1497891"/>
+            <a:ext cx="7245313" cy="5166678"/>
           </a:xfrm>
           <a:prstGeom prst="rect">
             <a:avLst/>
           </a:prstGeom>
-          <a:ln>
-            <a:noFill/>
-          </a:ln>
-          <a:extLst>
-            <a:ext uri="{53640926-AAD7-44D8-BBD7-CCE9431645EC}">
-              <a14:shadowObscured xmlns:a14="http://schemas.microsoft.com/office/drawing/2010/main"/>
-            </a:ext>
-          </a:extLst>
         </p:spPr>
       </p:pic>
     </p:spTree>
@@ -6122,27 +6104,6 @@
 </file>
 
 <file path=customXml/item1.xml><?xml version="1.0" encoding="utf-8"?>
-<?mso-contentType ?>
-<FormTemplates xmlns="http://schemas.microsoft.com/sharepoint/v3/contenttype/forms">
-  <Display>DocumentLibraryForm</Display>
-  <Edit>DocumentLibraryForm</Edit>
-  <New>DocumentLibraryForm</New>
-</FormTemplates>
-</file>
-
-<file path=customXml/item2.xml><?xml version="1.0" encoding="utf-8"?>
-<p:properties xmlns:p="http://schemas.microsoft.com/office/2006/metadata/properties" xmlns:xsi="http://www.w3.org/2001/XMLSchema-instance" xmlns:pc="http://schemas.microsoft.com/office/infopath/2007/PartnerControls">
-  <documentManagement>
-    <ReferenceId xmlns="e321d5d8-ea79-449e-b247-0b47f28be14d" xsi:nil="true"/>
-    <lcf76f155ced4ddcb4097134ff3c332f xmlns="e321d5d8-ea79-449e-b247-0b47f28be14d">
-      <Terms xmlns="http://schemas.microsoft.com/office/infopath/2007/PartnerControls"/>
-    </lcf76f155ced4ddcb4097134ff3c332f>
-    <TaxCatchAll xmlns="1be30915-cae2-4f5a-be58-85f2687e9d09" xsi:nil="true"/>
-  </documentManagement>
-</p:properties>
-</file>
-
-<file path=customXml/item3.xml><?xml version="1.0" encoding="utf-8"?>
 <ct:contentTypeSchema xmlns:ct="http://schemas.microsoft.com/office/2006/metadata/contentType" xmlns:ma="http://schemas.microsoft.com/office/2006/metadata/properties/metaAttributes" ct:_="" ma:_="" ma:contentTypeName="Документ" ma:contentTypeID="0x01010006036433BA647C45BC820CDF521EB9AC" ma:contentTypeVersion="9" ma:contentTypeDescription="Создание документа." ma:contentTypeScope="" ma:versionID="0e5378859d862978e035324e43ade721">
   <xsd:schema xmlns:xsd="http://www.w3.org/2001/XMLSchema" xmlns:xs="http://www.w3.org/2001/XMLSchema" xmlns:p="http://schemas.microsoft.com/office/2006/metadata/properties" xmlns:ns2="e321d5d8-ea79-449e-b247-0b47f28be14d" xmlns:ns3="1be30915-cae2-4f5a-be58-85f2687e9d09" targetNamespace="http://schemas.microsoft.com/office/2006/metadata/properties" ma:root="true" ma:fieldsID="987dd8c73a2d464986db691e7a2d2e2c" ns2:_="" ns3:_="">
     <xsd:import namespace="e321d5d8-ea79-449e-b247-0b47f28be14d"/>
@@ -6325,10 +6286,42 @@
 </ct:contentTypeSchema>
 </file>
 
+<file path=customXml/item2.xml><?xml version="1.0" encoding="utf-8"?>
+<p:properties xmlns:p="http://schemas.microsoft.com/office/2006/metadata/properties" xmlns:xsi="http://www.w3.org/2001/XMLSchema-instance" xmlns:pc="http://schemas.microsoft.com/office/infopath/2007/PartnerControls">
+  <documentManagement>
+    <ReferenceId xmlns="e321d5d8-ea79-449e-b247-0b47f28be14d" xsi:nil="true"/>
+    <lcf76f155ced4ddcb4097134ff3c332f xmlns="e321d5d8-ea79-449e-b247-0b47f28be14d">
+      <Terms xmlns="http://schemas.microsoft.com/office/infopath/2007/PartnerControls"/>
+    </lcf76f155ced4ddcb4097134ff3c332f>
+    <TaxCatchAll xmlns="1be30915-cae2-4f5a-be58-85f2687e9d09" xsi:nil="true"/>
+  </documentManagement>
+</p:properties>
+</file>
+
+<file path=customXml/item3.xml><?xml version="1.0" encoding="utf-8"?>
+<?mso-contentType ?>
+<FormTemplates xmlns="http://schemas.microsoft.com/sharepoint/v3/contenttype/forms">
+  <Display>DocumentLibraryForm</Display>
+  <Edit>DocumentLibraryForm</Edit>
+  <New>DocumentLibraryForm</New>
+</FormTemplates>
+</file>
+
 <file path=customXml/itemProps1.xml><?xml version="1.0" encoding="utf-8"?>
-<ds:datastoreItem xmlns:ds="http://schemas.openxmlformats.org/officeDocument/2006/customXml" ds:itemID="{7A64CB76-D6EE-416E-960D-35D5D5486211}">
+<ds:datastoreItem xmlns:ds="http://schemas.openxmlformats.org/officeDocument/2006/customXml" ds:itemID="{49473910-98F0-4B69-BB4E-9796FEE06800}">
   <ds:schemaRefs>
-    <ds:schemaRef ds:uri="http://schemas.microsoft.com/sharepoint/v3/contenttype/forms"/>
+    <ds:schemaRef ds:uri="http://schemas.microsoft.com/office/2006/metadata/contentType"/>
+    <ds:schemaRef ds:uri="http://schemas.microsoft.com/office/2006/metadata/properties/metaAttributes"/>
+    <ds:schemaRef ds:uri="http://www.w3.org/2001/XMLSchema"/>
+    <ds:schemaRef ds:uri="http://schemas.microsoft.com/office/2006/metadata/properties"/>
+    <ds:schemaRef ds:uri="e321d5d8-ea79-449e-b247-0b47f28be14d"/>
+    <ds:schemaRef ds:uri="1be30915-cae2-4f5a-be58-85f2687e9d09"/>
+    <ds:schemaRef ds:uri="http://schemas.microsoft.com/office/2006/documentManagement/types"/>
+    <ds:schemaRef ds:uri="http://schemas.microsoft.com/office/infopath/2007/PartnerControls"/>
+    <ds:schemaRef ds:uri="http://schemas.openxmlformats.org/package/2006/metadata/core-properties"/>
+    <ds:schemaRef ds:uri="http://purl.org/dc/elements/1.1/"/>
+    <ds:schemaRef ds:uri="http://purl.org/dc/terms/"/>
+    <ds:schemaRef ds:uri="http://schemas.microsoft.com/internal/obd"/>
   </ds:schemaRefs>
 </ds:datastoreItem>
 </file>
@@ -6345,20 +6338,9 @@
 </file>
 
 <file path=customXml/itemProps3.xml><?xml version="1.0" encoding="utf-8"?>
-<ds:datastoreItem xmlns:ds="http://schemas.openxmlformats.org/officeDocument/2006/customXml" ds:itemID="{49473910-98F0-4B69-BB4E-9796FEE06800}">
+<ds:datastoreItem xmlns:ds="http://schemas.openxmlformats.org/officeDocument/2006/customXml" ds:itemID="{7A64CB76-D6EE-416E-960D-35D5D5486211}">
   <ds:schemaRefs>
-    <ds:schemaRef ds:uri="http://schemas.microsoft.com/office/2006/metadata/contentType"/>
-    <ds:schemaRef ds:uri="http://schemas.microsoft.com/office/2006/metadata/properties/metaAttributes"/>
-    <ds:schemaRef ds:uri="http://www.w3.org/2001/XMLSchema"/>
-    <ds:schemaRef ds:uri="http://schemas.microsoft.com/office/2006/metadata/properties"/>
-    <ds:schemaRef ds:uri="e321d5d8-ea79-449e-b247-0b47f28be14d"/>
-    <ds:schemaRef ds:uri="1be30915-cae2-4f5a-be58-85f2687e9d09"/>
-    <ds:schemaRef ds:uri="http://schemas.microsoft.com/office/2006/documentManagement/types"/>
-    <ds:schemaRef ds:uri="http://schemas.microsoft.com/office/infopath/2007/PartnerControls"/>
-    <ds:schemaRef ds:uri="http://schemas.openxmlformats.org/package/2006/metadata/core-properties"/>
-    <ds:schemaRef ds:uri="http://purl.org/dc/elements/1.1/"/>
-    <ds:schemaRef ds:uri="http://purl.org/dc/terms/"/>
-    <ds:schemaRef ds:uri="http://schemas.microsoft.com/internal/obd"/>
+    <ds:schemaRef ds:uri="http://schemas.microsoft.com/sharepoint/v3/contenttype/forms"/>
   </ds:schemaRefs>
 </ds:datastoreItem>
 </file>
--- a/Razrabotka_PO_PresentationV3.pptx
+++ b/Razrabotka_PO_PresentationV3.pptx
@@ -4383,7 +4383,7 @@
                 <a:ea typeface="Calibri" panose="020F0502020204030204" pitchFamily="34" charset="0"/>
                 <a:cs typeface="Times New Roman" panose="02020603050405020304" pitchFamily="18" charset="0"/>
               </a:rPr>
-              <a:t>Разработать программное обеспечение, реализующее резервирования и восстановление для наиболее востребованных типов источников (файлы, каталоги, базы данных </a:t>
+              <a:t>Разработать программное обеспечение, реализующее резервирования и восстановление для наиболее востребованных типов источников (файлы, базы данных </a:t>
             </a:r>
             <a:r>
               <a:rPr lang="en-US" sz="2400" dirty="0">
@@ -5133,19 +5133,15 @@
           <a:p>
             <a:pPr algn="ctr"/>
             <a:r>
-              <a:rPr lang="ru-RU"/>
-              <a:t>Функциональность </a:t>
-            </a:r>
-            <a:r>
               <a:rPr lang="ru-RU" dirty="0"/>
-              <a:t>и интерфейс.</a:t>
+              <a:t>Функциональность и интерфейс.</a:t>
             </a:r>
             <a:br>
               <a:rPr lang="ru-RU" dirty="0"/>
             </a:br>
             <a:r>
               <a:rPr lang="ru-RU" dirty="0"/>
-              <a:t>Стартовое окно и просмотр задач</a:t>
+              <a:t>Стартовое окно и просмотр заданий, история</a:t>
             </a:r>
           </a:p>
         </p:txBody>
@@ -5182,10 +5178,10 @@
       </p:pic>
       <p:pic>
         <p:nvPicPr>
-          <p:cNvPr id="8" name="Рисунок 7">
+          <p:cNvPr id="5" name="Рисунок 4">
             <a:extLst>
               <a:ext uri="{FF2B5EF4-FFF2-40B4-BE49-F238E27FC236}">
-                <a16:creationId xmlns:a16="http://schemas.microsoft.com/office/drawing/2014/main" id="{AA2865F0-E436-444F-AB7D-B97D507E0871}"/>
+                <a16:creationId xmlns:a16="http://schemas.microsoft.com/office/drawing/2014/main" id="{BFF64B66-F2F1-4384-9794-A52763226556}"/>
               </a:ext>
             </a:extLst>
           </p:cNvPr>
@@ -5202,8 +5198,38 @@
         </p:blipFill>
         <p:spPr>
           <a:xfrm>
-            <a:off x="6020562" y="2175728"/>
-            <a:ext cx="4933950" cy="3571875"/>
+            <a:off x="5472303" y="2175728"/>
+            <a:ext cx="5457825" cy="4000500"/>
+          </a:xfrm>
+          <a:prstGeom prst="rect">
+            <a:avLst/>
+          </a:prstGeom>
+        </p:spPr>
+      </p:pic>
+      <p:pic>
+        <p:nvPicPr>
+          <p:cNvPr id="6" name="Рисунок 5">
+            <a:extLst>
+              <a:ext uri="{FF2B5EF4-FFF2-40B4-BE49-F238E27FC236}">
+                <a16:creationId xmlns:a16="http://schemas.microsoft.com/office/drawing/2014/main" id="{5D5E8066-FAE4-4538-9DE0-4C7F9FBE01AF}"/>
+              </a:ext>
+            </a:extLst>
+          </p:cNvPr>
+          <p:cNvPicPr>
+            <a:picLocks noChangeAspect="1"/>
+          </p:cNvPicPr>
+          <p:nvPr/>
+        </p:nvPicPr>
+        <p:blipFill>
+          <a:blip r:embed="rId4"/>
+          <a:stretch>
+            <a:fillRect/>
+          </a:stretch>
+        </p:blipFill>
+        <p:spPr>
+          <a:xfrm>
+            <a:off x="1261872" y="4013688"/>
+            <a:ext cx="3743325" cy="2686050"/>
           </a:xfrm>
           <a:prstGeom prst="rect">
             <a:avLst/>
@@ -5258,23 +5284,25 @@
         </p:nvSpPr>
         <p:spPr/>
         <p:txBody>
-          <a:bodyPr/>
+          <a:bodyPr>
+            <a:normAutofit fontScale="90000"/>
+          </a:bodyPr>
           <a:lstStyle/>
           <a:p>
             <a:pPr algn="ctr"/>
             <a:r>
               <a:rPr lang="ru-RU" dirty="0"/>
-              <a:t>Добавление и редактирование задач</a:t>
+              <a:t>Добавление и редактирование задач, квота для резервирования</a:t>
             </a:r>
           </a:p>
         </p:txBody>
       </p:sp>
       <p:pic>
         <p:nvPicPr>
-          <p:cNvPr id="5" name="Рисунок 4">
+          <p:cNvPr id="7" name="Рисунок 6">
             <a:extLst>
               <a:ext uri="{FF2B5EF4-FFF2-40B4-BE49-F238E27FC236}">
-                <a16:creationId xmlns:a16="http://schemas.microsoft.com/office/drawing/2014/main" id="{2B5E73A4-8177-4C93-BB03-420DDA0A603D}"/>
+                <a16:creationId xmlns:a16="http://schemas.microsoft.com/office/drawing/2014/main" id="{946CE292-6F78-483F-A8CD-3887F2B91788}"/>
               </a:ext>
             </a:extLst>
           </p:cNvPr>
@@ -5291,8 +5319,8 @@
         </p:blipFill>
         <p:spPr>
           <a:xfrm>
-            <a:off x="1047750" y="2365863"/>
-            <a:ext cx="5048250" cy="1352550"/>
+            <a:off x="1261872" y="2365863"/>
+            <a:ext cx="5038725" cy="1647825"/>
           </a:xfrm>
           <a:prstGeom prst="rect">
             <a:avLst/>
@@ -5301,10 +5329,10 @@
       </p:pic>
       <p:pic>
         <p:nvPicPr>
-          <p:cNvPr id="6" name="Рисунок 5">
+          <p:cNvPr id="8" name="Рисунок 7">
             <a:extLst>
               <a:ext uri="{FF2B5EF4-FFF2-40B4-BE49-F238E27FC236}">
-                <a16:creationId xmlns:a16="http://schemas.microsoft.com/office/drawing/2014/main" id="{D95D983A-F6C5-4B01-8C3A-D04456C5DB14}"/>
+                <a16:creationId xmlns:a16="http://schemas.microsoft.com/office/drawing/2014/main" id="{F69576C6-4E65-44CA-A845-DAACAE8DE9C2}"/>
               </a:ext>
             </a:extLst>
           </p:cNvPr>
@@ -5321,8 +5349,38 @@
         </p:blipFill>
         <p:spPr>
           <a:xfrm>
-            <a:off x="6543676" y="2365863"/>
-            <a:ext cx="3905250" cy="2809875"/>
+            <a:off x="6629034" y="2365863"/>
+            <a:ext cx="3857625" cy="3000375"/>
+          </a:xfrm>
+          <a:prstGeom prst="rect">
+            <a:avLst/>
+          </a:prstGeom>
+        </p:spPr>
+      </p:pic>
+      <p:pic>
+        <p:nvPicPr>
+          <p:cNvPr id="9" name="Рисунок 8">
+            <a:extLst>
+              <a:ext uri="{FF2B5EF4-FFF2-40B4-BE49-F238E27FC236}">
+                <a16:creationId xmlns:a16="http://schemas.microsoft.com/office/drawing/2014/main" id="{D8F1B543-DDBE-4223-BCE6-FBC1E7BA514D}"/>
+              </a:ext>
+            </a:extLst>
+          </p:cNvPr>
+          <p:cNvPicPr>
+            <a:picLocks noChangeAspect="1"/>
+          </p:cNvPicPr>
+          <p:nvPr/>
+        </p:nvPicPr>
+        <p:blipFill>
+          <a:blip r:embed="rId4"/>
+          <a:stretch>
+            <a:fillRect/>
+          </a:stretch>
+        </p:blipFill>
+        <p:spPr>
+          <a:xfrm>
+            <a:off x="1261872" y="4213713"/>
+            <a:ext cx="3171825" cy="1152525"/>
           </a:xfrm>
           <a:prstGeom prst="rect">
             <a:avLst/>
@@ -5417,7 +5475,23 @@
                   <a:schemeClr val="tx1"/>
                 </a:solidFill>
               </a:rPr>
-              <a:t>Создание и изменение планов резервирования и восстановления данных по дате. </a:t>
+              <a:t>Создание и изменение планов резервирования</a:t>
+            </a:r>
+            <a:r>
+              <a:rPr lang="en-US" sz="2400" dirty="0">
+                <a:solidFill>
+                  <a:schemeClr val="tx1"/>
+                </a:solidFill>
+              </a:rPr>
+              <a:t>,</a:t>
+            </a:r>
+            <a:r>
+              <a:rPr lang="ru-RU" sz="2400" dirty="0">
+                <a:solidFill>
+                  <a:schemeClr val="tx1"/>
+                </a:solidFill>
+              </a:rPr>
+              <a:t>  восстановление данных. </a:t>
             </a:r>
           </a:p>
           <a:p>
@@ -5429,6 +5503,17 @@
                 </a:solidFill>
               </a:rPr>
               <a:t>Отправка данных на удаленный компьютер. </a:t>
+            </a:r>
+          </a:p>
+          <a:p>
+            <a:pPr algn="just"/>
+            <a:r>
+              <a:rPr lang="ru-RU" sz="2400" dirty="0">
+                <a:solidFill>
+                  <a:schemeClr val="tx1"/>
+                </a:solidFill>
+              </a:rPr>
+              <a:t>Централизованное управление заданиями.</a:t>
             </a:r>
           </a:p>
         </p:txBody>
@@ -6104,6 +6189,27 @@
 </file>
 
 <file path=customXml/item1.xml><?xml version="1.0" encoding="utf-8"?>
+<?mso-contentType ?>
+<FormTemplates xmlns="http://schemas.microsoft.com/sharepoint/v3/contenttype/forms">
+  <Display>DocumentLibraryForm</Display>
+  <Edit>DocumentLibraryForm</Edit>
+  <New>DocumentLibraryForm</New>
+</FormTemplates>
+</file>
+
+<file path=customXml/item2.xml><?xml version="1.0" encoding="utf-8"?>
+<p:properties xmlns:p="http://schemas.microsoft.com/office/2006/metadata/properties" xmlns:xsi="http://www.w3.org/2001/XMLSchema-instance" xmlns:pc="http://schemas.microsoft.com/office/infopath/2007/PartnerControls">
+  <documentManagement>
+    <ReferenceId xmlns="e321d5d8-ea79-449e-b247-0b47f28be14d" xsi:nil="true"/>
+    <lcf76f155ced4ddcb4097134ff3c332f xmlns="e321d5d8-ea79-449e-b247-0b47f28be14d">
+      <Terms xmlns="http://schemas.microsoft.com/office/infopath/2007/PartnerControls"/>
+    </lcf76f155ced4ddcb4097134ff3c332f>
+    <TaxCatchAll xmlns="1be30915-cae2-4f5a-be58-85f2687e9d09" xsi:nil="true"/>
+  </documentManagement>
+</p:properties>
+</file>
+
+<file path=customXml/item3.xml><?xml version="1.0" encoding="utf-8"?>
 <ct:contentTypeSchema xmlns:ct="http://schemas.microsoft.com/office/2006/metadata/contentType" xmlns:ma="http://schemas.microsoft.com/office/2006/metadata/properties/metaAttributes" ct:_="" ma:_="" ma:contentTypeName="Документ" ma:contentTypeID="0x01010006036433BA647C45BC820CDF521EB9AC" ma:contentTypeVersion="9" ma:contentTypeDescription="Создание документа." ma:contentTypeScope="" ma:versionID="0e5378859d862978e035324e43ade721">
   <xsd:schema xmlns:xsd="http://www.w3.org/2001/XMLSchema" xmlns:xs="http://www.w3.org/2001/XMLSchema" xmlns:p="http://schemas.microsoft.com/office/2006/metadata/properties" xmlns:ns2="e321d5d8-ea79-449e-b247-0b47f28be14d" xmlns:ns3="1be30915-cae2-4f5a-be58-85f2687e9d09" targetNamespace="http://schemas.microsoft.com/office/2006/metadata/properties" ma:root="true" ma:fieldsID="987dd8c73a2d464986db691e7a2d2e2c" ns2:_="" ns3:_="">
     <xsd:import namespace="e321d5d8-ea79-449e-b247-0b47f28be14d"/>
@@ -6286,28 +6392,26 @@
 </ct:contentTypeSchema>
 </file>
 
-<file path=customXml/item2.xml><?xml version="1.0" encoding="utf-8"?>
-<p:properties xmlns:p="http://schemas.microsoft.com/office/2006/metadata/properties" xmlns:xsi="http://www.w3.org/2001/XMLSchema-instance" xmlns:pc="http://schemas.microsoft.com/office/infopath/2007/PartnerControls">
-  <documentManagement>
-    <ReferenceId xmlns="e321d5d8-ea79-449e-b247-0b47f28be14d" xsi:nil="true"/>
-    <lcf76f155ced4ddcb4097134ff3c332f xmlns="e321d5d8-ea79-449e-b247-0b47f28be14d">
-      <Terms xmlns="http://schemas.microsoft.com/office/infopath/2007/PartnerControls"/>
-    </lcf76f155ced4ddcb4097134ff3c332f>
-    <TaxCatchAll xmlns="1be30915-cae2-4f5a-be58-85f2687e9d09" xsi:nil="true"/>
-  </documentManagement>
-</p:properties>
+<file path=customXml/itemProps1.xml><?xml version="1.0" encoding="utf-8"?>
+<ds:datastoreItem xmlns:ds="http://schemas.openxmlformats.org/officeDocument/2006/customXml" ds:itemID="{7A64CB76-D6EE-416E-960D-35D5D5486211}">
+  <ds:schemaRefs>
+    <ds:schemaRef ds:uri="http://schemas.microsoft.com/sharepoint/v3/contenttype/forms"/>
+  </ds:schemaRefs>
+</ds:datastoreItem>
 </file>
 
-<file path=customXml/item3.xml><?xml version="1.0" encoding="utf-8"?>
-<?mso-contentType ?>
-<FormTemplates xmlns="http://schemas.microsoft.com/sharepoint/v3/contenttype/forms">
-  <Display>DocumentLibraryForm</Display>
-  <Edit>DocumentLibraryForm</Edit>
-  <New>DocumentLibraryForm</New>
-</FormTemplates>
+<file path=customXml/itemProps2.xml><?xml version="1.0" encoding="utf-8"?>
+<ds:datastoreItem xmlns:ds="http://schemas.openxmlformats.org/officeDocument/2006/customXml" ds:itemID="{B132835F-5331-4FD8-B283-4D1979695EAB}">
+  <ds:schemaRefs>
+    <ds:schemaRef ds:uri="http://schemas.microsoft.com/office/2006/metadata/properties"/>
+    <ds:schemaRef ds:uri="http://schemas.microsoft.com/office/infopath/2007/PartnerControls"/>
+    <ds:schemaRef ds:uri="e321d5d8-ea79-449e-b247-0b47f28be14d"/>
+    <ds:schemaRef ds:uri="1be30915-cae2-4f5a-be58-85f2687e9d09"/>
+  </ds:schemaRefs>
+</ds:datastoreItem>
 </file>
 
-<file path=customXml/itemProps1.xml><?xml version="1.0" encoding="utf-8"?>
+<file path=customXml/itemProps3.xml><?xml version="1.0" encoding="utf-8"?>
 <ds:datastoreItem xmlns:ds="http://schemas.openxmlformats.org/officeDocument/2006/customXml" ds:itemID="{49473910-98F0-4B69-BB4E-9796FEE06800}">
   <ds:schemaRefs>
     <ds:schemaRef ds:uri="http://schemas.microsoft.com/office/2006/metadata/contentType"/>
@@ -6324,23 +6428,4 @@
     <ds:schemaRef ds:uri="http://schemas.microsoft.com/internal/obd"/>
   </ds:schemaRefs>
 </ds:datastoreItem>
-</file>
-
-<file path=customXml/itemProps2.xml><?xml version="1.0" encoding="utf-8"?>
-<ds:datastoreItem xmlns:ds="http://schemas.openxmlformats.org/officeDocument/2006/customXml" ds:itemID="{B132835F-5331-4FD8-B283-4D1979695EAB}">
-  <ds:schemaRefs>
-    <ds:schemaRef ds:uri="http://schemas.microsoft.com/office/2006/metadata/properties"/>
-    <ds:schemaRef ds:uri="http://schemas.microsoft.com/office/infopath/2007/PartnerControls"/>
-    <ds:schemaRef ds:uri="e321d5d8-ea79-449e-b247-0b47f28be14d"/>
-    <ds:schemaRef ds:uri="1be30915-cae2-4f5a-be58-85f2687e9d09"/>
-  </ds:schemaRefs>
-</ds:datastoreItem>
-</file>
-
-<file path=customXml/itemProps3.xml><?xml version="1.0" encoding="utf-8"?>
-<ds:datastoreItem xmlns:ds="http://schemas.openxmlformats.org/officeDocument/2006/customXml" ds:itemID="{7A64CB76-D6EE-416E-960D-35D5D5486211}">
-  <ds:schemaRefs>
-    <ds:schemaRef ds:uri="http://schemas.microsoft.com/sharepoint/v3/contenttype/forms"/>
-  </ds:schemaRefs>
-</ds:datastoreItem>
 </file>
--- a/Razrabotka_PO_PresentationV3.pptx
+++ b/Razrabotka_PO_PresentationV3.pptx
@@ -1,22 +1,22 @@
 
 <file path=ppt/presentation.xml><?xml version="1.0" encoding="utf-8"?>
-<p:presentation xmlns:a="http://schemas.openxmlformats.org/drawingml/2006/main" xmlns:r="http://schemas.openxmlformats.org/officeDocument/2006/relationships" xmlns:p="http://schemas.openxmlformats.org/presentationml/2006/main" saveSubsetFonts="1">
+<p:presentation xmlns:a="http://schemas.openxmlformats.org/drawingml/2006/main" xmlns:r="http://schemas.openxmlformats.org/officeDocument/2006/relationships" xmlns:p="http://schemas.openxmlformats.org/presentationml/2006/main" removePersonalInfoOnSave="1" saveSubsetFonts="1">
   <p:sldMasterIdLst>
-    <p:sldMasterId id="2147483684" r:id="rId4"/>
+    <p:sldMasterId id="2147483684" r:id="rId1"/>
   </p:sldMasterIdLst>
   <p:notesMasterIdLst>
-    <p:notesMasterId r:id="rId14"/>
+    <p:notesMasterId r:id="rId11"/>
   </p:notesMasterIdLst>
   <p:sldIdLst>
-    <p:sldId id="256" r:id="rId5"/>
-    <p:sldId id="258" r:id="rId6"/>
-    <p:sldId id="264" r:id="rId7"/>
-    <p:sldId id="259" r:id="rId8"/>
-    <p:sldId id="268" r:id="rId9"/>
-    <p:sldId id="270" r:id="rId10"/>
-    <p:sldId id="271" r:id="rId11"/>
-    <p:sldId id="265" r:id="rId12"/>
-    <p:sldId id="261" r:id="rId13"/>
+    <p:sldId id="256" r:id="rId2"/>
+    <p:sldId id="258" r:id="rId3"/>
+    <p:sldId id="264" r:id="rId4"/>
+    <p:sldId id="259" r:id="rId5"/>
+    <p:sldId id="268" r:id="rId6"/>
+    <p:sldId id="270" r:id="rId7"/>
+    <p:sldId id="271" r:id="rId8"/>
+    <p:sldId id="265" r:id="rId9"/>
+    <p:sldId id="261" r:id="rId10"/>
   </p:sldIdLst>
   <p:sldSz cx="12192000" cy="6858000"/>
   <p:notesSz cx="6858000" cy="9144000"/>
@@ -4249,7 +4249,7 @@
         <p:spPr/>
         <p:txBody>
           <a:bodyPr>
-            <a:normAutofit fontScale="92500" lnSpcReduction="20000"/>
+            <a:normAutofit fontScale="92500" lnSpcReduction="10000"/>
           </a:bodyPr>
           <a:lstStyle/>
           <a:p>
@@ -4264,20 +4264,8 @@
                 <a:latin typeface="Times New Roman" panose="02020603050405020304" pitchFamily="18" charset="0"/>
                 <a:cs typeface="Times New Roman" panose="02020603050405020304" pitchFamily="18" charset="0"/>
               </a:rPr>
-              <a:t>Цель - Разработать программное обеспечение резервного копирования, позволяющее восстановить данные.</a:t>
-            </a:r>
-            <a:endParaRPr lang="en-US" sz="2400" dirty="0">
-              <a:solidFill>
-                <a:schemeClr val="tx1"/>
-              </a:solidFill>
-              <a:latin typeface="Times New Roman" panose="02020603050405020304" pitchFamily="18" charset="0"/>
-              <a:cs typeface="Times New Roman" panose="02020603050405020304" pitchFamily="18" charset="0"/>
-            </a:endParaRPr>
-          </a:p>
-          <a:p>
-            <a:pPr marL="0" lvl="0" indent="0" algn="just">
-              <a:buNone/>
-            </a:pPr>
+              <a:t>Цель – разработать автоматизированное рабочее место системного администратора для резервного копирования и восстановления данных</a:t>
+            </a:r>
             <a:endParaRPr lang="ru-RU" sz="2400" dirty="0">
               <a:latin typeface="Times New Roman" panose="02020603050405020304" pitchFamily="18" charset="0"/>
               <a:cs typeface="Times New Roman" panose="02020603050405020304" pitchFamily="18" charset="0"/>
@@ -4543,7 +4531,7 @@
         </p:spPr>
         <p:txBody>
           <a:bodyPr spcFirstLastPara="1" wrap="square" lIns="91425" tIns="45700" rIns="91425" bIns="45700" anchor="t" anchorCtr="0">
-            <a:normAutofit fontScale="92500" lnSpcReduction="10000"/>
+            <a:noAutofit/>
           </a:bodyPr>
           <a:lstStyle/>
           <a:p>
@@ -4561,14 +4549,19 @@
               <a:buNone/>
             </a:pPr>
             <a:r>
-              <a:rPr lang="ru-RU" dirty="0">
+              <a:rPr lang="ru-RU" sz="2200" dirty="0">
                 <a:solidFill>
                   <a:schemeClr val="dk1"/>
                 </a:solidFill>
+                <a:latin typeface="Times New Roman" panose="02020603050405020304" pitchFamily="18" charset="0"/>
+                <a:cs typeface="Times New Roman" panose="02020603050405020304" pitchFamily="18" charset="0"/>
               </a:rPr>
               <a:t>       Пусть</a:t>
             </a:r>
-            <a:endParaRPr dirty="0"/>
+            <a:endParaRPr sz="2200" dirty="0">
+              <a:latin typeface="Times New Roman" panose="02020603050405020304" pitchFamily="18" charset="0"/>
+              <a:cs typeface="Times New Roman" panose="02020603050405020304" pitchFamily="18" charset="0"/>
+            </a:endParaRPr>
           </a:p>
           <a:p>
             <a:pPr marL="0" lvl="0" indent="0" algn="l" rtl="0">
@@ -4585,55 +4578,61 @@
               <a:buNone/>
             </a:pPr>
             <a:r>
-              <a:rPr lang="ru-RU" dirty="0">
+              <a:rPr lang="ru-RU" sz="2200" dirty="0">
                 <a:solidFill>
                   <a:schemeClr val="dk1"/>
                 </a:solidFill>
+                <a:latin typeface="Times New Roman" panose="02020603050405020304" pitchFamily="18" charset="0"/>
+                <a:cs typeface="Times New Roman" panose="02020603050405020304" pitchFamily="18" charset="0"/>
               </a:rPr>
               <a:t>	k ∈ </a:t>
             </a:r>
             <a:r>
-              <a:rPr lang="ru-RU" sz="2085" b="1" dirty="0">
+              <a:rPr lang="ru-RU" sz="2200" b="1" dirty="0">
                 <a:solidFill>
                   <a:srgbClr val="3B3B3B"/>
                 </a:solidFill>
                 <a:highlight>
                   <a:srgbClr val="FEFFF5"/>
                 </a:highlight>
-                <a:latin typeface="Arial"/>
+                <a:latin typeface="Times New Roman" panose="02020603050405020304" pitchFamily="18" charset="0"/>
                 <a:ea typeface="Arial"/>
-                <a:cs typeface="Arial"/>
+                <a:cs typeface="Times New Roman" panose="02020603050405020304" pitchFamily="18" charset="0"/>
                 <a:sym typeface="Arial"/>
               </a:rPr>
               <a:t>N</a:t>
             </a:r>
             <a:r>
-              <a:rPr lang="ru-RU" sz="1800" dirty="0">
+              <a:rPr lang="ru-RU" sz="2200" dirty="0">
                 <a:solidFill>
                   <a:srgbClr val="3B3B3B"/>
                 </a:solidFill>
                 <a:highlight>
                   <a:srgbClr val="FEFFF5"/>
                 </a:highlight>
-                <a:latin typeface="Arial"/>
+                <a:latin typeface="Times New Roman" panose="02020603050405020304" pitchFamily="18" charset="0"/>
                 <a:ea typeface="Arial"/>
-                <a:cs typeface="Arial"/>
+                <a:cs typeface="Times New Roman" panose="02020603050405020304" pitchFamily="18" charset="0"/>
                 <a:sym typeface="Arial"/>
               </a:rPr>
               <a:t> </a:t>
             </a:r>
             <a:r>
-              <a:rPr lang="ru-RU" dirty="0">
+              <a:rPr lang="ru-RU" sz="2200" dirty="0">
                 <a:solidFill>
                   <a:schemeClr val="dk1"/>
                 </a:solidFill>
+                <a:latin typeface="Times New Roman" panose="02020603050405020304" pitchFamily="18" charset="0"/>
+                <a:cs typeface="Times New Roman" panose="02020603050405020304" pitchFamily="18" charset="0"/>
               </a:rPr>
               <a:t>- количество зарезервированных файлов</a:t>
             </a:r>
-            <a:endParaRPr dirty="0">
+            <a:endParaRPr sz="2200" dirty="0">
               <a:solidFill>
                 <a:schemeClr val="dk1"/>
               </a:solidFill>
+              <a:latin typeface="Times New Roman" panose="02020603050405020304" pitchFamily="18" charset="0"/>
+              <a:cs typeface="Times New Roman" panose="02020603050405020304" pitchFamily="18" charset="0"/>
             </a:endParaRPr>
           </a:p>
           <a:p>
@@ -4651,33 +4650,41 @@
               <a:buNone/>
             </a:pPr>
             <a:r>
-              <a:rPr lang="ru-RU" dirty="0">
+              <a:rPr lang="ru-RU" sz="2200" dirty="0">
                 <a:solidFill>
                   <a:schemeClr val="dk1"/>
                 </a:solidFill>
+                <a:latin typeface="Times New Roman" panose="02020603050405020304" pitchFamily="18" charset="0"/>
+                <a:cs typeface="Times New Roman" panose="02020603050405020304" pitchFamily="18" charset="0"/>
               </a:rPr>
               <a:t>	S: S1, S2, …, </a:t>
             </a:r>
             <a:r>
-              <a:rPr lang="ru-RU" dirty="0" err="1">
+              <a:rPr lang="ru-RU" sz="2200" dirty="0" err="1">
                 <a:solidFill>
                   <a:schemeClr val="dk1"/>
                 </a:solidFill>
+                <a:latin typeface="Times New Roman" panose="02020603050405020304" pitchFamily="18" charset="0"/>
+                <a:cs typeface="Times New Roman" panose="02020603050405020304" pitchFamily="18" charset="0"/>
               </a:rPr>
               <a:t>Sk</a:t>
             </a:r>
             <a:r>
-              <a:rPr lang="ru-RU" dirty="0">
+              <a:rPr lang="ru-RU" sz="2200" dirty="0">
                 <a:solidFill>
                   <a:schemeClr val="dk1"/>
                 </a:solidFill>
+                <a:latin typeface="Times New Roman" panose="02020603050405020304" pitchFamily="18" charset="0"/>
+                <a:cs typeface="Times New Roman" panose="02020603050405020304" pitchFamily="18" charset="0"/>
               </a:rPr>
               <a:t> - файлы</a:t>
             </a:r>
-            <a:endParaRPr dirty="0">
+            <a:endParaRPr sz="2200" dirty="0">
               <a:solidFill>
                 <a:schemeClr val="dk1"/>
               </a:solidFill>
+              <a:latin typeface="Times New Roman" panose="02020603050405020304" pitchFamily="18" charset="0"/>
+              <a:cs typeface="Times New Roman" panose="02020603050405020304" pitchFamily="18" charset="0"/>
             </a:endParaRPr>
           </a:p>
           <a:p>
@@ -4696,33 +4703,41 @@
               <a:buNone/>
             </a:pPr>
             <a:r>
-              <a:rPr lang="ru-RU" dirty="0">
+              <a:rPr lang="ru-RU" sz="2200" dirty="0">
                 <a:solidFill>
                   <a:schemeClr val="dk1"/>
                 </a:solidFill>
+                <a:latin typeface="Times New Roman" panose="02020603050405020304" pitchFamily="18" charset="0"/>
+                <a:cs typeface="Times New Roman" panose="02020603050405020304" pitchFamily="18" charset="0"/>
               </a:rPr>
               <a:t>	P: P1, P2, …, </a:t>
             </a:r>
             <a:r>
-              <a:rPr lang="ru-RU" dirty="0" err="1">
+              <a:rPr lang="ru-RU" sz="2200" dirty="0" err="1">
                 <a:solidFill>
                   <a:schemeClr val="dk1"/>
                 </a:solidFill>
+                <a:latin typeface="Times New Roman" panose="02020603050405020304" pitchFamily="18" charset="0"/>
+                <a:cs typeface="Times New Roman" panose="02020603050405020304" pitchFamily="18" charset="0"/>
               </a:rPr>
               <a:t>Pk</a:t>
             </a:r>
             <a:r>
-              <a:rPr lang="ru-RU" dirty="0">
+              <a:rPr lang="ru-RU" sz="2200" dirty="0">
                 <a:solidFill>
                   <a:schemeClr val="dk1"/>
                 </a:solidFill>
+                <a:latin typeface="Times New Roman" panose="02020603050405020304" pitchFamily="18" charset="0"/>
+                <a:cs typeface="Times New Roman" panose="02020603050405020304" pitchFamily="18" charset="0"/>
               </a:rPr>
               <a:t> - массив параметров резервирования</a:t>
             </a:r>
-            <a:endParaRPr dirty="0">
+            <a:endParaRPr sz="2200" dirty="0">
               <a:solidFill>
                 <a:schemeClr val="dk1"/>
               </a:solidFill>
+              <a:latin typeface="Times New Roman" panose="02020603050405020304" pitchFamily="18" charset="0"/>
+              <a:cs typeface="Times New Roman" panose="02020603050405020304" pitchFamily="18" charset="0"/>
             </a:endParaRPr>
           </a:p>
           <a:p>
@@ -4740,33 +4755,41 @@
               <a:buNone/>
             </a:pPr>
             <a:r>
-              <a:rPr lang="ru-RU" dirty="0">
+              <a:rPr lang="ru-RU" sz="2200" dirty="0">
                 <a:solidFill>
                   <a:schemeClr val="dk1"/>
                 </a:solidFill>
+                <a:latin typeface="Times New Roman" panose="02020603050405020304" pitchFamily="18" charset="0"/>
+                <a:cs typeface="Times New Roman" panose="02020603050405020304" pitchFamily="18" charset="0"/>
               </a:rPr>
               <a:t>	M: M1, M2, …, </a:t>
             </a:r>
             <a:r>
-              <a:rPr lang="ru-RU" dirty="0" err="1">
+              <a:rPr lang="ru-RU" sz="2200" dirty="0" err="1">
                 <a:solidFill>
                   <a:schemeClr val="dk1"/>
                 </a:solidFill>
+                <a:latin typeface="Times New Roman" panose="02020603050405020304" pitchFamily="18" charset="0"/>
+                <a:cs typeface="Times New Roman" panose="02020603050405020304" pitchFamily="18" charset="0"/>
               </a:rPr>
               <a:t>Mk</a:t>
             </a:r>
             <a:r>
-              <a:rPr lang="ru-RU" dirty="0">
+              <a:rPr lang="ru-RU" sz="2200" dirty="0">
                 <a:solidFill>
                   <a:schemeClr val="dk1"/>
                 </a:solidFill>
+                <a:latin typeface="Times New Roman" panose="02020603050405020304" pitchFamily="18" charset="0"/>
+                <a:cs typeface="Times New Roman" panose="02020603050405020304" pitchFamily="18" charset="0"/>
               </a:rPr>
               <a:t> – план хранения i файла из множества N</a:t>
             </a:r>
-            <a:endParaRPr dirty="0">
+            <a:endParaRPr sz="2200" dirty="0">
               <a:solidFill>
                 <a:schemeClr val="dk1"/>
               </a:solidFill>
+              <a:latin typeface="Times New Roman" panose="02020603050405020304" pitchFamily="18" charset="0"/>
+              <a:cs typeface="Times New Roman" panose="02020603050405020304" pitchFamily="18" charset="0"/>
             </a:endParaRPr>
           </a:p>
           <a:p>
@@ -4784,65 +4807,81 @@
               <a:buNone/>
             </a:pPr>
             <a:r>
-              <a:rPr lang="ru-RU" dirty="0">
+              <a:rPr lang="ru-RU" sz="2200" dirty="0">
                 <a:solidFill>
                   <a:schemeClr val="dk1"/>
                 </a:solidFill>
+                <a:latin typeface="Times New Roman" panose="02020603050405020304" pitchFamily="18" charset="0"/>
+                <a:cs typeface="Times New Roman" panose="02020603050405020304" pitchFamily="18" charset="0"/>
               </a:rPr>
               <a:t>	</a:t>
             </a:r>
             <a:r>
-              <a:rPr lang="ru-RU" dirty="0" err="1">
+              <a:rPr lang="ru-RU" sz="2200" dirty="0" err="1">
                 <a:solidFill>
                   <a:schemeClr val="dk1"/>
                 </a:solidFill>
+                <a:latin typeface="Times New Roman" panose="02020603050405020304" pitchFamily="18" charset="0"/>
+                <a:cs typeface="Times New Roman" panose="02020603050405020304" pitchFamily="18" charset="0"/>
               </a:rPr>
               <a:t>Mi</a:t>
             </a:r>
             <a:r>
-              <a:rPr lang="ru-RU" dirty="0">
+              <a:rPr lang="ru-RU" sz="2200" dirty="0">
                 <a:solidFill>
                   <a:schemeClr val="dk1"/>
                 </a:solidFill>
+                <a:latin typeface="Times New Roman" panose="02020603050405020304" pitchFamily="18" charset="0"/>
+                <a:cs typeface="Times New Roman" panose="02020603050405020304" pitchFamily="18" charset="0"/>
               </a:rPr>
               <a:t> = F(</a:t>
             </a:r>
             <a:r>
-              <a:rPr lang="ru-RU" dirty="0" err="1">
+              <a:rPr lang="ru-RU" sz="2200" dirty="0" err="1">
                 <a:solidFill>
                   <a:schemeClr val="dk1"/>
                 </a:solidFill>
+                <a:latin typeface="Times New Roman" panose="02020603050405020304" pitchFamily="18" charset="0"/>
+                <a:cs typeface="Times New Roman" panose="02020603050405020304" pitchFamily="18" charset="0"/>
               </a:rPr>
               <a:t>Si</a:t>
             </a:r>
             <a:r>
-              <a:rPr lang="ru-RU" dirty="0">
+              <a:rPr lang="ru-RU" sz="2200" dirty="0">
                 <a:solidFill>
                   <a:schemeClr val="dk1"/>
                 </a:solidFill>
+                <a:latin typeface="Times New Roman" panose="02020603050405020304" pitchFamily="18" charset="0"/>
+                <a:cs typeface="Times New Roman" panose="02020603050405020304" pitchFamily="18" charset="0"/>
               </a:rPr>
               <a:t>, </a:t>
             </a:r>
             <a:r>
-              <a:rPr lang="ru-RU" dirty="0" err="1">
+              <a:rPr lang="ru-RU" sz="2200" dirty="0" err="1">
                 <a:solidFill>
                   <a:schemeClr val="dk1"/>
                 </a:solidFill>
+                <a:latin typeface="Times New Roman" panose="02020603050405020304" pitchFamily="18" charset="0"/>
+                <a:cs typeface="Times New Roman" panose="02020603050405020304" pitchFamily="18" charset="0"/>
               </a:rPr>
               <a:t>Pi</a:t>
             </a:r>
             <a:r>
-              <a:rPr lang="ru-RU" dirty="0">
+              <a:rPr lang="ru-RU" sz="2200" dirty="0">
                 <a:solidFill>
                   <a:schemeClr val="dk1"/>
                 </a:solidFill>
+                <a:latin typeface="Times New Roman" panose="02020603050405020304" pitchFamily="18" charset="0"/>
+                <a:cs typeface="Times New Roman" panose="02020603050405020304" pitchFamily="18" charset="0"/>
               </a:rPr>
               <a:t>), где i ∈ [1, k] </a:t>
             </a:r>
-            <a:endParaRPr dirty="0">
+            <a:endParaRPr sz="2200" dirty="0">
               <a:solidFill>
                 <a:schemeClr val="dk1"/>
               </a:solidFill>
+              <a:latin typeface="Times New Roman" panose="02020603050405020304" pitchFamily="18" charset="0"/>
+              <a:cs typeface="Times New Roman" panose="02020603050405020304" pitchFamily="18" charset="0"/>
             </a:endParaRPr>
           </a:p>
           <a:p>
@@ -4860,33 +4899,41 @@
               <a:buNone/>
             </a:pPr>
             <a:r>
-              <a:rPr lang="ru-RU" dirty="0">
+              <a:rPr lang="ru-RU" sz="2200" dirty="0">
                 <a:solidFill>
                   <a:schemeClr val="dk1"/>
                 </a:solidFill>
+                <a:latin typeface="Times New Roman" panose="02020603050405020304" pitchFamily="18" charset="0"/>
+                <a:cs typeface="Times New Roman" panose="02020603050405020304" pitchFamily="18" charset="0"/>
               </a:rPr>
               <a:t>	R = {M1, M2, …, </a:t>
             </a:r>
             <a:r>
-              <a:rPr lang="ru-RU" dirty="0" err="1">
+              <a:rPr lang="ru-RU" sz="2200" dirty="0" err="1">
                 <a:solidFill>
                   <a:schemeClr val="dk1"/>
                 </a:solidFill>
+                <a:latin typeface="Times New Roman" panose="02020603050405020304" pitchFamily="18" charset="0"/>
+                <a:cs typeface="Times New Roman" panose="02020603050405020304" pitchFamily="18" charset="0"/>
               </a:rPr>
               <a:t>Mk</a:t>
             </a:r>
             <a:r>
-              <a:rPr lang="ru-RU" dirty="0">
+              <a:rPr lang="ru-RU" sz="2200" dirty="0">
                 <a:solidFill>
                   <a:schemeClr val="dk1"/>
                 </a:solidFill>
+                <a:latin typeface="Times New Roman" panose="02020603050405020304" pitchFamily="18" charset="0"/>
+                <a:cs typeface="Times New Roman" panose="02020603050405020304" pitchFamily="18" charset="0"/>
               </a:rPr>
               <a:t>}</a:t>
             </a:r>
-            <a:endParaRPr dirty="0">
+            <a:endParaRPr sz="2200" dirty="0">
               <a:solidFill>
                 <a:schemeClr val="dk1"/>
               </a:solidFill>
+              <a:latin typeface="Times New Roman" panose="02020603050405020304" pitchFamily="18" charset="0"/>
+              <a:cs typeface="Times New Roman" panose="02020603050405020304" pitchFamily="18" charset="0"/>
             </a:endParaRPr>
           </a:p>
           <a:p>
@@ -4904,62 +4951,79 @@
               <a:buNone/>
             </a:pPr>
             <a:r>
-              <a:rPr lang="ru-RU" dirty="0">
+              <a:rPr lang="ru-RU" sz="2200" dirty="0">
                 <a:solidFill>
                   <a:schemeClr val="dk1"/>
                 </a:solidFill>
+                <a:latin typeface="Times New Roman" panose="02020603050405020304" pitchFamily="18" charset="0"/>
+                <a:cs typeface="Times New Roman" panose="02020603050405020304" pitchFamily="18" charset="0"/>
               </a:rPr>
               <a:t>Результат: Множество, состоящее из элементов M1, M2, ... </a:t>
             </a:r>
             <a:r>
-              <a:rPr lang="ru-RU" dirty="0" err="1">
+              <a:rPr lang="ru-RU" sz="2200" dirty="0" err="1">
                 <a:solidFill>
                   <a:schemeClr val="dk1"/>
                 </a:solidFill>
+                <a:latin typeface="Times New Roman" panose="02020603050405020304" pitchFamily="18" charset="0"/>
+                <a:cs typeface="Times New Roman" panose="02020603050405020304" pitchFamily="18" charset="0"/>
               </a:rPr>
               <a:t>Mk</a:t>
             </a:r>
             <a:r>
-              <a:rPr lang="ru-RU" dirty="0">
+              <a:rPr lang="ru-RU" sz="2200" dirty="0">
                 <a:solidFill>
                   <a:schemeClr val="dk1"/>
                 </a:solidFill>
+                <a:latin typeface="Times New Roman" panose="02020603050405020304" pitchFamily="18" charset="0"/>
+                <a:cs typeface="Times New Roman" panose="02020603050405020304" pitchFamily="18" charset="0"/>
               </a:rPr>
               <a:t>, являющиеся результатом выполнения функции F(</a:t>
             </a:r>
             <a:r>
-              <a:rPr lang="ru-RU" dirty="0" err="1">
+              <a:rPr lang="ru-RU" sz="2200" dirty="0" err="1">
                 <a:solidFill>
                   <a:schemeClr val="dk1"/>
                 </a:solidFill>
+                <a:latin typeface="Times New Roman" panose="02020603050405020304" pitchFamily="18" charset="0"/>
+                <a:cs typeface="Times New Roman" panose="02020603050405020304" pitchFamily="18" charset="0"/>
               </a:rPr>
               <a:t>Si</a:t>
             </a:r>
             <a:r>
-              <a:rPr lang="ru-RU" dirty="0">
+              <a:rPr lang="ru-RU" sz="2200" dirty="0">
                 <a:solidFill>
                   <a:schemeClr val="dk1"/>
                 </a:solidFill>
+                <a:latin typeface="Times New Roman" panose="02020603050405020304" pitchFamily="18" charset="0"/>
+                <a:cs typeface="Times New Roman" panose="02020603050405020304" pitchFamily="18" charset="0"/>
               </a:rPr>
               <a:t>, </a:t>
             </a:r>
             <a:r>
-              <a:rPr lang="ru-RU" dirty="0" err="1">
+              <a:rPr lang="ru-RU" sz="2200" dirty="0" err="1">
                 <a:solidFill>
                   <a:schemeClr val="dk1"/>
                 </a:solidFill>
+                <a:latin typeface="Times New Roman" panose="02020603050405020304" pitchFamily="18" charset="0"/>
+                <a:cs typeface="Times New Roman" panose="02020603050405020304" pitchFamily="18" charset="0"/>
               </a:rPr>
               <a:t>Pi</a:t>
             </a:r>
             <a:r>
-              <a:rPr lang="ru-RU" dirty="0">
+              <a:rPr lang="ru-RU" sz="2200" dirty="0">
                 <a:solidFill>
                   <a:schemeClr val="dk1"/>
                 </a:solidFill>
+                <a:latin typeface="Times New Roman" panose="02020603050405020304" pitchFamily="18" charset="0"/>
+                <a:cs typeface="Times New Roman" panose="02020603050405020304" pitchFamily="18" charset="0"/>
               </a:rPr>
               <a:t>), где i ∈ [1, k]</a:t>
             </a:r>
-            <a:endParaRPr dirty="0"/>
+            <a:endParaRPr sz="2200" dirty="0">
+              <a:latin typeface="Times New Roman" panose="02020603050405020304" pitchFamily="18" charset="0"/>
+              <a:cs typeface="Times New Roman" panose="02020603050405020304" pitchFamily="18" charset="0"/>
+            </a:endParaRPr>
           </a:p>
           <a:p>
             <a:pPr marL="0" lvl="0" indent="0" algn="l" rtl="0">
@@ -5026,8 +5090,8 @@
         </p:nvSpPr>
         <p:spPr>
           <a:xfrm>
-            <a:off x="1050857" y="68962"/>
-            <a:ext cx="9692640" cy="1428929"/>
+            <a:off x="1036570" y="328613"/>
+            <a:ext cx="9692640" cy="840666"/>
           </a:xfrm>
         </p:spPr>
         <p:txBody>
@@ -5070,7 +5134,7 @@
         </p:blipFill>
         <p:spPr>
           <a:xfrm>
-            <a:off x="2473343" y="1497891"/>
+            <a:off x="2473343" y="1169279"/>
             <a:ext cx="7245313" cy="5166678"/>
           </a:xfrm>
           <a:prstGeom prst="rect">
@@ -6186,246 +6250,4 @@
     </a:ext>
   </a:extLst>
 </a:theme>
-</file>
-
-<file path=customXml/item1.xml><?xml version="1.0" encoding="utf-8"?>
-<?mso-contentType ?>
-<FormTemplates xmlns="http://schemas.microsoft.com/sharepoint/v3/contenttype/forms">
-  <Display>DocumentLibraryForm</Display>
-  <Edit>DocumentLibraryForm</Edit>
-  <New>DocumentLibraryForm</New>
-</FormTemplates>
-</file>
-
-<file path=customXml/item2.xml><?xml version="1.0" encoding="utf-8"?>
-<p:properties xmlns:p="http://schemas.microsoft.com/office/2006/metadata/properties" xmlns:xsi="http://www.w3.org/2001/XMLSchema-instance" xmlns:pc="http://schemas.microsoft.com/office/infopath/2007/PartnerControls">
-  <documentManagement>
-    <ReferenceId xmlns="e321d5d8-ea79-449e-b247-0b47f28be14d" xsi:nil="true"/>
-    <lcf76f155ced4ddcb4097134ff3c332f xmlns="e321d5d8-ea79-449e-b247-0b47f28be14d">
-      <Terms xmlns="http://schemas.microsoft.com/office/infopath/2007/PartnerControls"/>
-    </lcf76f155ced4ddcb4097134ff3c332f>
-    <TaxCatchAll xmlns="1be30915-cae2-4f5a-be58-85f2687e9d09" xsi:nil="true"/>
-  </documentManagement>
-</p:properties>
-</file>
-
-<file path=customXml/item3.xml><?xml version="1.0" encoding="utf-8"?>
-<ct:contentTypeSchema xmlns:ct="http://schemas.microsoft.com/office/2006/metadata/contentType" xmlns:ma="http://schemas.microsoft.com/office/2006/metadata/properties/metaAttributes" ct:_="" ma:_="" ma:contentTypeName="Документ" ma:contentTypeID="0x01010006036433BA647C45BC820CDF521EB9AC" ma:contentTypeVersion="9" ma:contentTypeDescription="Создание документа." ma:contentTypeScope="" ma:versionID="0e5378859d862978e035324e43ade721">
-  <xsd:schema xmlns:xsd="http://www.w3.org/2001/XMLSchema" xmlns:xs="http://www.w3.org/2001/XMLSchema" xmlns:p="http://schemas.microsoft.com/office/2006/metadata/properties" xmlns:ns2="e321d5d8-ea79-449e-b247-0b47f28be14d" xmlns:ns3="1be30915-cae2-4f5a-be58-85f2687e9d09" targetNamespace="http://schemas.microsoft.com/office/2006/metadata/properties" ma:root="true" ma:fieldsID="987dd8c73a2d464986db691e7a2d2e2c" ns2:_="" ns3:_="">
-    <xsd:import namespace="e321d5d8-ea79-449e-b247-0b47f28be14d"/>
-    <xsd:import namespace="1be30915-cae2-4f5a-be58-85f2687e9d09"/>
-    <xsd:element name="properties">
-      <xsd:complexType>
-        <xsd:sequence>
-          <xsd:element name="documentManagement">
-            <xsd:complexType>
-              <xsd:all>
-                <xsd:element ref="ns2:ReferenceId" minOccurs="0"/>
-                <xsd:element ref="ns2:MediaServiceMetadata" minOccurs="0"/>
-                <xsd:element ref="ns2:MediaServiceFastMetadata" minOccurs="0"/>
-                <xsd:element ref="ns2:lcf76f155ced4ddcb4097134ff3c332f" minOccurs="0"/>
-                <xsd:element ref="ns3:TaxCatchAll" minOccurs="0"/>
-                <xsd:element ref="ns2:MediaServiceOCR" minOccurs="0"/>
-                <xsd:element ref="ns2:MediaServiceGenerationTime" minOccurs="0"/>
-                <xsd:element ref="ns2:MediaServiceEventHashCode" minOccurs="0"/>
-              </xsd:all>
-            </xsd:complexType>
-          </xsd:element>
-        </xsd:sequence>
-      </xsd:complexType>
-    </xsd:element>
-  </xsd:schema>
-  <xsd:schema xmlns:xsd="http://www.w3.org/2001/XMLSchema" xmlns:xs="http://www.w3.org/2001/XMLSchema" xmlns:dms="http://schemas.microsoft.com/office/2006/documentManagement/types" xmlns:pc="http://schemas.microsoft.com/office/infopath/2007/PartnerControls" targetNamespace="e321d5d8-ea79-449e-b247-0b47f28be14d" elementFormDefault="qualified">
-    <xsd:import namespace="http://schemas.microsoft.com/office/2006/documentManagement/types"/>
-    <xsd:import namespace="http://schemas.microsoft.com/office/infopath/2007/PartnerControls"/>
-    <xsd:element name="ReferenceId" ma:index="8" nillable="true" ma:displayName="ReferenceId" ma:indexed="true" ma:internalName="ReferenceId">
-      <xsd:simpleType>
-        <xsd:restriction base="dms:Text"/>
-      </xsd:simpleType>
-    </xsd:element>
-    <xsd:element name="MediaServiceMetadata" ma:index="9" nillable="true" ma:displayName="MediaServiceMetadata" ma:hidden="true" ma:internalName="MediaServiceMetadata" ma:readOnly="true">
-      <xsd:simpleType>
-        <xsd:restriction base="dms:Note"/>
-      </xsd:simpleType>
-    </xsd:element>
-    <xsd:element name="MediaServiceFastMetadata" ma:index="10" nillable="true" ma:displayName="MediaServiceFastMetadata" ma:hidden="true" ma:internalName="MediaServiceFastMetadata" ma:readOnly="true">
-      <xsd:simpleType>
-        <xsd:restriction base="dms:Note"/>
-      </xsd:simpleType>
-    </xsd:element>
-    <xsd:element name="lcf76f155ced4ddcb4097134ff3c332f" ma:index="12" nillable="true" ma:taxonomy="true" ma:internalName="lcf76f155ced4ddcb4097134ff3c332f" ma:taxonomyFieldName="MediaServiceImageTags" ma:displayName="Теги изображений" ma:readOnly="false" ma:fieldId="{5cf76f15-5ced-4ddc-b409-7134ff3c332f}" ma:taxonomyMulti="true" ma:sspId="52b87b14-481c-4bd0-8dec-e023dcfb95ca" ma:termSetId="09814cd3-568e-fe90-9814-8d621ff8fb84" ma:anchorId="fba54fb3-c3e1-fe81-a776-ca4b69148c4d" ma:open="true" ma:isKeyword="false">
-      <xsd:complexType>
-        <xsd:sequence>
-          <xsd:element ref="pc:Terms" minOccurs="0" maxOccurs="1"/>
-        </xsd:sequence>
-      </xsd:complexType>
-    </xsd:element>
-    <xsd:element name="MediaServiceOCR" ma:index="14" nillable="true" ma:displayName="Extracted Text" ma:internalName="MediaServiceOCR" ma:readOnly="true">
-      <xsd:simpleType>
-        <xsd:restriction base="dms:Note">
-          <xsd:maxLength value="255"/>
-        </xsd:restriction>
-      </xsd:simpleType>
-    </xsd:element>
-    <xsd:element name="MediaServiceGenerationTime" ma:index="15" nillable="true" ma:displayName="MediaServiceGenerationTime" ma:hidden="true" ma:internalName="MediaServiceGenerationTime" ma:readOnly="true">
-      <xsd:simpleType>
-        <xsd:restriction base="dms:Text"/>
-      </xsd:simpleType>
-    </xsd:element>
-    <xsd:element name="MediaServiceEventHashCode" ma:index="16" nillable="true" ma:displayName="MediaServiceEventHashCode" ma:hidden="true" ma:internalName="MediaServiceEventHashCode" ma:readOnly="true">
-      <xsd:simpleType>
-        <xsd:restriction base="dms:Text"/>
-      </xsd:simpleType>
-    </xsd:element>
-  </xsd:schema>
-  <xsd:schema xmlns:xsd="http://www.w3.org/2001/XMLSchema" xmlns:xs="http://www.w3.org/2001/XMLSchema" xmlns:dms="http://schemas.microsoft.com/office/2006/documentManagement/types" xmlns:pc="http://schemas.microsoft.com/office/infopath/2007/PartnerControls" targetNamespace="1be30915-cae2-4f5a-be58-85f2687e9d09" elementFormDefault="qualified">
-    <xsd:import namespace="http://schemas.microsoft.com/office/2006/documentManagement/types"/>
-    <xsd:import namespace="http://schemas.microsoft.com/office/infopath/2007/PartnerControls"/>
-    <xsd:element name="TaxCatchAll" ma:index="13" nillable="true" ma:displayName="Taxonomy Catch All Column" ma:hidden="true" ma:list="{97ee5713-0193-48c5-b09b-d69f2fe85b0a}" ma:internalName="TaxCatchAll" ma:showField="CatchAllData" ma:web="1be30915-cae2-4f5a-be58-85f2687e9d09">
-      <xsd:complexType>
-        <xsd:complexContent>
-          <xsd:extension base="dms:MultiChoiceLookup">
-            <xsd:sequence>
-              <xsd:element name="Value" type="dms:Lookup" maxOccurs="unbounded" minOccurs="0" nillable="true"/>
-            </xsd:sequence>
-          </xsd:extension>
-        </xsd:complexContent>
-      </xsd:complexType>
-    </xsd:element>
-  </xsd:schema>
-  <xsd:schema xmlns="http://schemas.openxmlformats.org/package/2006/metadata/core-properties" xmlns:xsd="http://www.w3.org/2001/XMLSchema" xmlns:xsi="http://www.w3.org/2001/XMLSchema-instance" xmlns:dc="http://purl.org/dc/elements/1.1/" xmlns:dcterms="http://purl.org/dc/terms/" xmlns:odoc="http://schemas.microsoft.com/internal/obd" targetNamespace="http://schemas.openxmlformats.org/package/2006/metadata/core-properties" elementFormDefault="qualified" attributeFormDefault="unqualified" blockDefault="#all">
-    <xsd:import namespace="http://purl.org/dc/elements/1.1/" schemaLocation="http://dublincore.org/schemas/xmls/qdc/2003/04/02/dc.xsd"/>
-    <xsd:import namespace="http://purl.org/dc/terms/" schemaLocation="http://dublincore.org/schemas/xmls/qdc/2003/04/02/dcterms.xsd"/>
-    <xsd:element name="coreProperties" type="CT_coreProperties"/>
-    <xsd:complexType name="CT_coreProperties">
-      <xsd:all>
-        <xsd:element ref="dc:creator" minOccurs="0" maxOccurs="1"/>
-        <xsd:element ref="dcterms:created" minOccurs="0" maxOccurs="1"/>
-        <xsd:element ref="dc:identifier" minOccurs="0" maxOccurs="1"/>
-        <xsd:element name="contentType" minOccurs="0" maxOccurs="1" type="xsd:string" ma:index="0" ma:displayName="Тип контента"/>
-        <xsd:element ref="dc:title" minOccurs="0" maxOccurs="1" ma:index="4" ma:displayName="Название"/>
-        <xsd:element ref="dc:subject" minOccurs="0" maxOccurs="1"/>
-        <xsd:element ref="dc:description" minOccurs="0" maxOccurs="1"/>
-        <xsd:element name="keywords" minOccurs="0" maxOccurs="1" type="xsd:string"/>
-        <xsd:element ref="dc:language" minOccurs="0" maxOccurs="1"/>
-        <xsd:element name="category" minOccurs="0" maxOccurs="1" type="xsd:string"/>
-        <xsd:element name="version" minOccurs="0" maxOccurs="1" type="xsd:string"/>
-        <xsd:element name="revision" minOccurs="0" maxOccurs="1" type="xsd:string">
-          <xsd:annotation>
-            <xsd:documentation>
-                        This value indicates the number of saves or revisions. The application is responsible for updating this value after each revision.
-                    </xsd:documentation>
-          </xsd:annotation>
-        </xsd:element>
-        <xsd:element name="lastModifiedBy" minOccurs="0" maxOccurs="1" type="xsd:string"/>
-        <xsd:element ref="dcterms:modified" minOccurs="0" maxOccurs="1"/>
-        <xsd:element name="contentStatus" minOccurs="0" maxOccurs="1" type="xsd:string"/>
-      </xsd:all>
-    </xsd:complexType>
-  </xsd:schema>
-  <xs:schema xmlns:pc="http://schemas.microsoft.com/office/infopath/2007/PartnerControls" xmlns:xs="http://www.w3.org/2001/XMLSchema" targetNamespace="http://schemas.microsoft.com/office/infopath/2007/PartnerControls" elementFormDefault="qualified" attributeFormDefault="unqualified">
-    <xs:element name="Person">
-      <xs:complexType>
-        <xs:sequence>
-          <xs:element ref="pc:DisplayName" minOccurs="0"/>
-          <xs:element ref="pc:AccountId" minOccurs="0"/>
-          <xs:element ref="pc:AccountType" minOccurs="0"/>
-        </xs:sequence>
-      </xs:complexType>
-    </xs:element>
-    <xs:element name="DisplayName" type="xs:string"/>
-    <xs:element name="AccountId" type="xs:string"/>
-    <xs:element name="AccountType" type="xs:string"/>
-    <xs:element name="BDCAssociatedEntity">
-      <xs:complexType>
-        <xs:sequence>
-          <xs:element ref="pc:BDCEntity" minOccurs="0" maxOccurs="unbounded"/>
-        </xs:sequence>
-        <xs:attribute ref="pc:EntityNamespace"/>
-        <xs:attribute ref="pc:EntityName"/>
-        <xs:attribute ref="pc:SystemInstanceName"/>
-        <xs:attribute ref="pc:AssociationName"/>
-      </xs:complexType>
-    </xs:element>
-    <xs:attribute name="EntityNamespace" type="xs:string"/>
-    <xs:attribute name="EntityName" type="xs:string"/>
-    <xs:attribute name="SystemInstanceName" type="xs:string"/>
-    <xs:attribute name="AssociationName" type="xs:string"/>
-    <xs:element name="BDCEntity">
-      <xs:complexType>
-        <xs:sequence>
-          <xs:element ref="pc:EntityDisplayName" minOccurs="0"/>
-          <xs:element ref="pc:EntityInstanceReference" minOccurs="0"/>
-          <xs:element ref="pc:EntityId1" minOccurs="0"/>
-          <xs:element ref="pc:EntityId2" minOccurs="0"/>
-          <xs:element ref="pc:EntityId3" minOccurs="0"/>
-          <xs:element ref="pc:EntityId4" minOccurs="0"/>
-          <xs:element ref="pc:EntityId5" minOccurs="0"/>
-        </xs:sequence>
-      </xs:complexType>
-    </xs:element>
-    <xs:element name="EntityDisplayName" type="xs:string"/>
-    <xs:element name="EntityInstanceReference" type="xs:string"/>
-    <xs:element name="EntityId1" type="xs:string"/>
-    <xs:element name="EntityId2" type="xs:string"/>
-    <xs:element name="EntityId3" type="xs:string"/>
-    <xs:element name="EntityId4" type="xs:string"/>
-    <xs:element name="EntityId5" type="xs:string"/>
-    <xs:element name="Terms">
-      <xs:complexType>
-        <xs:sequence>
-          <xs:element ref="pc:TermInfo" minOccurs="0" maxOccurs="unbounded"/>
-        </xs:sequence>
-      </xs:complexType>
-    </xs:element>
-    <xs:element name="TermInfo">
-      <xs:complexType>
-        <xs:sequence>
-          <xs:element ref="pc:TermName" minOccurs="0"/>
-          <xs:element ref="pc:TermId" minOccurs="0"/>
-        </xs:sequence>
-      </xs:complexType>
-    </xs:element>
-    <xs:element name="TermName" type="xs:string"/>
-    <xs:element name="TermId" type="xs:string"/>
-  </xs:schema>
-</ct:contentTypeSchema>
-</file>
-
-<file path=customXml/itemProps1.xml><?xml version="1.0" encoding="utf-8"?>
-<ds:datastoreItem xmlns:ds="http://schemas.openxmlformats.org/officeDocument/2006/customXml" ds:itemID="{7A64CB76-D6EE-416E-960D-35D5D5486211}">
-  <ds:schemaRefs>
-    <ds:schemaRef ds:uri="http://schemas.microsoft.com/sharepoint/v3/contenttype/forms"/>
-  </ds:schemaRefs>
-</ds:datastoreItem>
-</file>
-
-<file path=customXml/itemProps2.xml><?xml version="1.0" encoding="utf-8"?>
-<ds:datastoreItem xmlns:ds="http://schemas.openxmlformats.org/officeDocument/2006/customXml" ds:itemID="{B132835F-5331-4FD8-B283-4D1979695EAB}">
-  <ds:schemaRefs>
-    <ds:schemaRef ds:uri="http://schemas.microsoft.com/office/2006/metadata/properties"/>
-    <ds:schemaRef ds:uri="http://schemas.microsoft.com/office/infopath/2007/PartnerControls"/>
-    <ds:schemaRef ds:uri="e321d5d8-ea79-449e-b247-0b47f28be14d"/>
-    <ds:schemaRef ds:uri="1be30915-cae2-4f5a-be58-85f2687e9d09"/>
-  </ds:schemaRefs>
-</ds:datastoreItem>
-</file>
-
-<file path=customXml/itemProps3.xml><?xml version="1.0" encoding="utf-8"?>
-<ds:datastoreItem xmlns:ds="http://schemas.openxmlformats.org/officeDocument/2006/customXml" ds:itemID="{49473910-98F0-4B69-BB4E-9796FEE06800}">
-  <ds:schemaRefs>
-    <ds:schemaRef ds:uri="http://schemas.microsoft.com/office/2006/metadata/contentType"/>
-    <ds:schemaRef ds:uri="http://schemas.microsoft.com/office/2006/metadata/properties/metaAttributes"/>
-    <ds:schemaRef ds:uri="http://www.w3.org/2001/XMLSchema"/>
-    <ds:schemaRef ds:uri="http://schemas.microsoft.com/office/2006/metadata/properties"/>
-    <ds:schemaRef ds:uri="e321d5d8-ea79-449e-b247-0b47f28be14d"/>
-    <ds:schemaRef ds:uri="1be30915-cae2-4f5a-be58-85f2687e9d09"/>
-    <ds:schemaRef ds:uri="http://schemas.microsoft.com/office/2006/documentManagement/types"/>
-    <ds:schemaRef ds:uri="http://schemas.microsoft.com/office/infopath/2007/PartnerControls"/>
-    <ds:schemaRef ds:uri="http://schemas.openxmlformats.org/package/2006/metadata/core-properties"/>
-    <ds:schemaRef ds:uri="http://purl.org/dc/elements/1.1/"/>
-    <ds:schemaRef ds:uri="http://purl.org/dc/terms/"/>
-    <ds:schemaRef ds:uri="http://schemas.microsoft.com/internal/obd"/>
-  </ds:schemaRefs>
-</ds:datastoreItem>
 </file>